--- a/PPT/project01_wanxia.pptx
+++ b/PPT/project01_wanxia.pptx
@@ -5,33 +5,22 @@
     <p:sldMasterId id="2147483648" r:id="rId1"/>
   </p:sldMasterIdLst>
   <p:notesMasterIdLst>
-    <p:notesMasterId r:id="rId11"/>
+    <p:notesMasterId r:id="rId7"/>
   </p:notesMasterIdLst>
   <p:sldIdLst>
     <p:sldId id="271" r:id="rId3"/>
-    <p:sldId id="256" r:id="rId4"/>
-    <p:sldId id="259" r:id="rId5"/>
-    <p:sldId id="257" r:id="rId6"/>
-    <p:sldId id="258" r:id="rId7"/>
-    <p:sldId id="260" r:id="rId8"/>
-    <p:sldId id="261" r:id="rId9"/>
-    <p:sldId id="291" r:id="rId10"/>
-    <p:sldId id="262" r:id="rId12"/>
-    <p:sldId id="263" r:id="rId13"/>
-    <p:sldId id="292" r:id="rId14"/>
-    <p:sldId id="264" r:id="rId15"/>
-    <p:sldId id="265" r:id="rId16"/>
-    <p:sldId id="293" r:id="rId17"/>
-    <p:sldId id="266" r:id="rId18"/>
-    <p:sldId id="267" r:id="rId19"/>
-    <p:sldId id="294" r:id="rId20"/>
-    <p:sldId id="268" r:id="rId21"/>
-    <p:sldId id="289" r:id="rId22"/>
-    <p:sldId id="287" r:id="rId23"/>
-    <p:sldId id="288" r:id="rId24"/>
-    <p:sldId id="295" r:id="rId25"/>
-    <p:sldId id="290" r:id="rId26"/>
-    <p:sldId id="286" r:id="rId27"/>
+    <p:sldId id="327" r:id="rId4"/>
+    <p:sldId id="364" r:id="rId5"/>
+    <p:sldId id="291" r:id="rId6"/>
+    <p:sldId id="292" r:id="rId8"/>
+    <p:sldId id="293" r:id="rId9"/>
+    <p:sldId id="294" r:id="rId10"/>
+    <p:sldId id="289" r:id="rId11"/>
+    <p:sldId id="288" r:id="rId12"/>
+    <p:sldId id="287" r:id="rId13"/>
+    <p:sldId id="295" r:id="rId14"/>
+    <p:sldId id="290" r:id="rId15"/>
+    <p:sldId id="286" r:id="rId16"/>
   </p:sldIdLst>
   <p:sldSz cx="12192000" cy="6858000"/>
   <p:notesSz cx="6858000" cy="9144000"/>
@@ -3896,14 +3885,7 @@
         <p:cNvGrpSpPr/>
         <p:nvPr/>
       </p:nvGrpSpPr>
-      <p:grpSpPr>
-        <a:xfrm>
-          <a:off x="0" y="0"/>
-          <a:ext cx="0" cy="0"/>
-          <a:chOff x="0" y="0"/>
-          <a:chExt cx="0" cy="0"/>
-        </a:xfrm>
-      </p:grpSpPr>
+      <p:grpSpPr/>
       <p:sp>
         <p:nvSpPr>
           <p:cNvPr id="2" name="Title 1"/>
@@ -3917,110 +3899,68 @@
         <p:spPr/>
         <p:txBody>
           <a:bodyPr/>
-          <a:lstStyle/>
-          <a:p>
-            <a:pPr algn="ctr"/>
-            <a:r>
-              <a:rPr lang="en-US" dirty="0"/>
-              <a:t>Temperature</a:t>
-            </a:r>
-            <a:endParaRPr lang="en-US" dirty="0"/>
+          <a:p>
+            <a:r>
+              <a:rPr lang="en-US"/>
+              <a:t>Fire Size Heatmap - using API </a:t>
+            </a:r>
+            <a:endParaRPr lang="en-US"/>
+          </a:p>
+        </p:txBody>
+      </p:sp>
+      <p:sp>
+        <p:nvSpPr>
+          <p:cNvPr id="3" name="Content Placeholder 2"/>
+          <p:cNvSpPr>
+            <a:spLocks noGrp="1"/>
+          </p:cNvSpPr>
+          <p:nvPr>
+            <p:ph idx="1"/>
+          </p:nvPr>
+        </p:nvSpPr>
+        <p:spPr>
+          <a:xfrm>
+            <a:off x="8702040" y="1825625"/>
+            <a:ext cx="3131185" cy="3765550"/>
+          </a:xfrm>
+        </p:spPr>
+        <p:txBody>
+          <a:bodyPr>
+            <a:normAutofit/>
+          </a:bodyPr>
+          <a:p>
+            <a:r>
+              <a:rPr lang="en-US" sz="1800"/>
+              <a:t>The majority of large scale wildfires happened from 1995 to 2015 were close to Los Angeles and San Diego according to the fire size heatmap.</a:t>
+            </a:r>
+            <a:endParaRPr lang="en-US" sz="1800"/>
           </a:p>
         </p:txBody>
       </p:sp>
       <p:pic>
         <p:nvPicPr>
-          <p:cNvPr id="5" name="Content Placeholder 4" descr="Chart, scatter chart&#10;&#10;Description automatically generated"/>
-          <p:cNvPicPr>
-            <a:picLocks noGrp="1" noChangeAspect="1"/>
-          </p:cNvPicPr>
-          <p:nvPr>
-            <p:ph idx="1"/>
-          </p:nvPr>
-        </p:nvPicPr>
-        <p:blipFill>
-          <a:blip r:embed="rId1">
-            <a:extLst>
-              <a:ext uri="{28A0092B-C50C-407E-A947-70E740481C1C}">
-                <a14:useLocalDpi xmlns:a14="http://schemas.microsoft.com/office/drawing/2010/main" val="0"/>
-              </a:ext>
-            </a:extLst>
-          </a:blip>
-          <a:stretch>
-            <a:fillRect/>
-          </a:stretch>
-        </p:blipFill>
-        <p:spPr>
-          <a:xfrm>
-            <a:off x="332584" y="1589312"/>
-            <a:ext cx="5763416" cy="4146131"/>
-          </a:xfrm>
-        </p:spPr>
-      </p:pic>
-      <p:pic>
-        <p:nvPicPr>
-          <p:cNvPr id="7" name="Picture 6" descr="Chart, scatter chart&#10;&#10;Description automatically generated"/>
+          <p:cNvPr id="4" name="Picture 3" descr="fire_size_heatmap"/>
           <p:cNvPicPr>
             <a:picLocks noChangeAspect="1"/>
           </p:cNvPicPr>
           <p:nvPr/>
         </p:nvPicPr>
         <p:blipFill>
-          <a:blip r:embed="rId2">
-            <a:extLst>
-              <a:ext uri="{28A0092B-C50C-407E-A947-70E740481C1C}">
-                <a14:useLocalDpi xmlns:a14="http://schemas.microsoft.com/office/drawing/2010/main" val="0"/>
-              </a:ext>
-            </a:extLst>
-          </a:blip>
+          <a:blip r:embed="rId1"/>
           <a:stretch>
             <a:fillRect/>
           </a:stretch>
         </p:blipFill>
         <p:spPr>
           <a:xfrm>
-            <a:off x="5996215" y="1813212"/>
-            <a:ext cx="5863201" cy="3979613"/>
+            <a:off x="2546350" y="1544320"/>
+            <a:ext cx="5631815" cy="4594225"/>
           </a:xfrm>
           <a:prstGeom prst="rect">
             <a:avLst/>
           </a:prstGeom>
         </p:spPr>
       </p:pic>
-      <p:sp>
-        <p:nvSpPr>
-          <p:cNvPr id="8" name="TextBox 7"/>
-          <p:cNvSpPr txBox="1"/>
-          <p:nvPr/>
-        </p:nvSpPr>
-        <p:spPr>
-          <a:xfrm>
-            <a:off x="1983180" y="6049820"/>
-            <a:ext cx="9083464" cy="369332"/>
-          </a:xfrm>
-          <a:prstGeom prst="rect">
-            <a:avLst/>
-          </a:prstGeom>
-          <a:noFill/>
-        </p:spPr>
-        <p:txBody>
-          <a:bodyPr wrap="square" rtlCol="0">
-            <a:spAutoFit/>
-          </a:bodyPr>
-          <a:lstStyle/>
-          <a:p>
-            <a:pPr marL="285750" indent="-285750">
-              <a:buFont typeface="Arial" panose="020B0604020202020204" pitchFamily="34" charset="0"/>
-              <a:buChar char="•"/>
-            </a:pPr>
-            <a:r>
-              <a:rPr lang="en-US" dirty="0"/>
-              <a:t>Not much can be inferred from these graphs</a:t>
-            </a:r>
-            <a:endParaRPr lang="en-US" dirty="0"/>
-          </a:p>
-        </p:txBody>
-      </p:sp>
     </p:spTree>
   </p:cSld>
   <p:clrMapOvr>
@@ -4061,121 +4001,71 @@
             <p:ph type="title"/>
           </p:nvPr>
         </p:nvSpPr>
-        <p:spPr>
-          <a:xfrm>
-            <a:off x="269875" y="283845"/>
-            <a:ext cx="10515600" cy="1325563"/>
-          </a:xfrm>
-        </p:spPr>
-        <p:txBody>
-          <a:bodyPr/>
-          <a:p>
+        <p:spPr/>
+        <p:txBody>
+          <a:bodyPr/>
+          <a:p>
+            <a:pPr algn="ctr"/>
+            <a:r>
+              <a:rPr lang="en-US"/>
+              <a:t>Conclusions</a:t>
+            </a:r>
+            <a:endParaRPr lang="en-US"/>
+          </a:p>
+        </p:txBody>
+      </p:sp>
+      <p:sp>
+        <p:nvSpPr>
+          <p:cNvPr id="3" name="Content Placeholder 2"/>
+          <p:cNvSpPr>
+            <a:spLocks noGrp="1"/>
+          </p:cNvSpPr>
+          <p:nvPr>
+            <p:ph idx="1"/>
+          </p:nvPr>
+        </p:nvSpPr>
+        <p:spPr/>
+        <p:txBody>
+          <a:bodyPr/>
+          <a:p>
+            <a:r>
+              <a:rPr lang="en-US"/>
+              <a:t>From our analysis, the weather factors (Wind speed/Humidity/Temperature/Precipitation) have correlations with the fire size up until the date of containment, but it is unclear whether the weather impacted the fires or vice-versa</a:t>
+            </a:r>
+            <a:endParaRPr lang="en-US"/>
+          </a:p>
+          <a:p>
+            <a:r>
+              <a:rPr lang="en-US"/>
+              <a:t>There Is a strong correlation between electrical power and wildfire costs, </a:t>
+            </a:r>
+            <a:r>
+              <a:rPr lang="en-US">
+                <a:sym typeface="+mn-ea"/>
+              </a:rPr>
+              <a:t> </a:t>
+            </a:r>
             <a:r>
               <a:rPr lang="en-US" dirty="0">
                 <a:sym typeface="+mn-ea"/>
               </a:rPr>
-              <a:t>Temperature</a:t>
-            </a:r>
-            <a:endParaRPr lang="en-US"/>
-          </a:p>
-        </p:txBody>
-      </p:sp>
-      <p:pic>
-        <p:nvPicPr>
-          <p:cNvPr id="4" name="Picture 3" descr="t30"/>
-          <p:cNvPicPr>
-            <a:picLocks noChangeAspect="1"/>
-          </p:cNvPicPr>
-          <p:nvPr/>
-        </p:nvPicPr>
-        <p:blipFill>
-          <a:blip r:embed="rId1"/>
-          <a:stretch>
-            <a:fillRect/>
-          </a:stretch>
-        </p:blipFill>
-        <p:spPr>
-          <a:xfrm>
-            <a:off x="3225165" y="283845"/>
-            <a:ext cx="4483735" cy="3180715"/>
-          </a:xfrm>
-          <a:prstGeom prst="rect">
-            <a:avLst/>
-          </a:prstGeom>
-        </p:spPr>
-      </p:pic>
-      <p:pic>
-        <p:nvPicPr>
-          <p:cNvPr id="5" name="Picture 4" descr="t15"/>
-          <p:cNvPicPr>
-            <a:picLocks noChangeAspect="1"/>
-          </p:cNvPicPr>
-          <p:nvPr/>
-        </p:nvPicPr>
-        <p:blipFill>
-          <a:blip r:embed="rId2"/>
-          <a:stretch>
-            <a:fillRect/>
-          </a:stretch>
-        </p:blipFill>
-        <p:spPr>
-          <a:xfrm>
-            <a:off x="3209925" y="3556635"/>
-            <a:ext cx="4514215" cy="3226435"/>
-          </a:xfrm>
-          <a:prstGeom prst="rect">
-            <a:avLst/>
-          </a:prstGeom>
-        </p:spPr>
-      </p:pic>
-      <p:pic>
-        <p:nvPicPr>
-          <p:cNvPr id="6" name="Picture 5" descr="t7"/>
-          <p:cNvPicPr>
-            <a:picLocks noChangeAspect="1"/>
-          </p:cNvPicPr>
-          <p:nvPr/>
-        </p:nvPicPr>
-        <p:blipFill>
-          <a:blip r:embed="rId3"/>
-          <a:stretch>
-            <a:fillRect/>
-          </a:stretch>
-        </p:blipFill>
-        <p:spPr>
-          <a:xfrm>
-            <a:off x="7708900" y="283845"/>
-            <a:ext cx="4460240" cy="3187700"/>
-          </a:xfrm>
-          <a:prstGeom prst="rect">
-            <a:avLst/>
-          </a:prstGeom>
-        </p:spPr>
-      </p:pic>
-      <p:pic>
-        <p:nvPicPr>
-          <p:cNvPr id="7" name="Picture 6" descr="tc"/>
-          <p:cNvPicPr>
-            <a:picLocks noChangeAspect="1"/>
-          </p:cNvPicPr>
-          <p:nvPr/>
-        </p:nvPicPr>
-        <p:blipFill>
-          <a:blip r:embed="rId4"/>
-          <a:stretch>
-            <a:fillRect/>
-          </a:stretch>
-        </p:blipFill>
-        <p:spPr>
-          <a:xfrm>
-            <a:off x="7708900" y="3599815"/>
-            <a:ext cx="4453890" cy="3183255"/>
-          </a:xfrm>
-          <a:prstGeom prst="rect">
-            <a:avLst/>
-          </a:prstGeom>
-        </p:spPr>
-      </p:pic>
+              <a:t>along with arson and vehicles</a:t>
+            </a:r>
+            <a:r>
+              <a:rPr lang="en-US"/>
+              <a:t>. Additionally, electrical power in all areas seems to have a strong correlation with wildfires.</a:t>
+            </a:r>
+            <a:endParaRPr lang="en-US"/>
+          </a:p>
+          <a:p>
+            <a:r>
+              <a:rPr lang="en-US"/>
+              <a:t>Wildfire increases air polution in surrounding areas</a:t>
+            </a:r>
+            <a:endParaRPr lang="en-US"/>
+          </a:p>
+        </p:txBody>
+      </p:sp>
     </p:spTree>
   </p:cSld>
   <p:clrMapOvr>
@@ -4205,14 +4095,7 @@
         <p:cNvGrpSpPr/>
         <p:nvPr/>
       </p:nvGrpSpPr>
-      <p:grpSpPr>
-        <a:xfrm>
-          <a:off x="0" y="0"/>
-          <a:ext cx="0" cy="0"/>
-          <a:chOff x="0" y="0"/>
-          <a:chExt cx="0" cy="0"/>
-        </a:xfrm>
-      </p:grpSpPr>
+      <p:grpSpPr/>
       <p:sp>
         <p:nvSpPr>
           <p:cNvPr id="2" name="Title 1"/>
@@ -4226,87 +4109,79 @@
         <p:spPr/>
         <p:txBody>
           <a:bodyPr/>
-          <a:lstStyle/>
-          <a:p>
-            <a:r>
-              <a:rPr lang="en-US" dirty="0"/>
-              <a:t>Temperature</a:t>
-            </a:r>
-            <a:endParaRPr lang="en-US" dirty="0"/>
-          </a:p>
-        </p:txBody>
-      </p:sp>
-      <p:pic>
-        <p:nvPicPr>
-          <p:cNvPr id="5" name="Content Placeholder 4" descr="Chart, bar chart&#10;&#10;Description automatically generated"/>
-          <p:cNvPicPr>
-            <a:picLocks noGrp="1" noChangeAspect="1"/>
-          </p:cNvPicPr>
+          <a:p>
+            <a:pPr algn="ctr"/>
+            <a:r>
+              <a:rPr lang="en-US"/>
+              <a:t>Limitations and Discussions</a:t>
+            </a:r>
+            <a:endParaRPr lang="en-US"/>
+          </a:p>
+        </p:txBody>
+      </p:sp>
+      <p:sp>
+        <p:nvSpPr>
+          <p:cNvPr id="3" name="Content Placeholder 2"/>
+          <p:cNvSpPr>
+            <a:spLocks noGrp="1"/>
+          </p:cNvSpPr>
           <p:nvPr>
             <p:ph idx="1"/>
           </p:nvPr>
-        </p:nvPicPr>
-        <p:blipFill>
-          <a:blip r:embed="rId1">
-            <a:extLst>
-              <a:ext uri="{28A0092B-C50C-407E-A947-70E740481C1C}">
-                <a14:useLocalDpi xmlns:a14="http://schemas.microsoft.com/office/drawing/2010/main" val="0"/>
-              </a:ext>
-            </a:extLst>
-          </a:blip>
-          <a:stretch>
-            <a:fillRect/>
-          </a:stretch>
-        </p:blipFill>
-        <p:spPr>
-          <a:xfrm>
-            <a:off x="3333978" y="1636900"/>
-            <a:ext cx="6118795" cy="3378853"/>
-          </a:xfrm>
-        </p:spPr>
-      </p:pic>
-      <p:sp>
-        <p:nvSpPr>
-          <p:cNvPr id="6" name="TextBox 5"/>
-          <p:cNvSpPr txBox="1"/>
-          <p:nvPr/>
-        </p:nvSpPr>
-        <p:spPr>
-          <a:xfrm>
-            <a:off x="1317812" y="5432612"/>
-            <a:ext cx="5734390" cy="646331"/>
-          </a:xfrm>
-          <a:prstGeom prst="rect">
-            <a:avLst/>
-          </a:prstGeom>
-          <a:noFill/>
-        </p:spPr>
-        <p:txBody>
-          <a:bodyPr wrap="none" rtlCol="0">
-            <a:spAutoFit/>
-          </a:bodyPr>
-          <a:lstStyle/>
-          <a:p>
-            <a:pPr marL="285750" indent="-285750">
-              <a:buFont typeface="Arial" panose="020B0604020202020204" pitchFamily="34" charset="0"/>
-              <a:buChar char="•"/>
+        </p:nvSpPr>
+        <p:spPr/>
+        <p:txBody>
+          <a:bodyPr/>
+          <a:p>
+            <a:r>
+              <a:rPr lang="en-US"/>
+              <a:t>We are not able to merge our datasets: data are from different years</a:t>
+            </a:r>
+            <a:endParaRPr lang="en-US"/>
+          </a:p>
+          <a:p>
+            <a:r>
+              <a:rPr lang="en-US"/>
+              <a:t>Real world data cleaning: missing information or wrong information</a:t>
+            </a:r>
+            <a:endParaRPr lang="en-US"/>
+          </a:p>
+          <a:p>
+            <a:r>
+              <a:rPr lang="en-US"/>
+              <a:t>We couldn’t find enough scientific support on some trends that we observed from data analysis </a:t>
+            </a:r>
+            <a:endParaRPr lang="en-US"/>
+          </a:p>
+          <a:p>
+            <a:endParaRPr lang="en-US"/>
+          </a:p>
+          <a:p>
+            <a:r>
+              <a:rPr lang="en-US"/>
+              <a:t>More to explore:</a:t>
+            </a:r>
+            <a:endParaRPr lang="en-US"/>
+          </a:p>
+          <a:p>
+            <a:pPr marL="0" indent="0">
+              <a:buNone/>
             </a:pPr>
             <a:r>
-              <a:rPr lang="en-US" dirty="0"/>
-              <a:t>The temperature rises up until date of containment</a:t>
-            </a:r>
-            <a:endParaRPr lang="en-US" dirty="0"/>
-          </a:p>
-          <a:p>
-            <a:pPr marL="285750" indent="-285750">
-              <a:buFont typeface="Arial" panose="020B0604020202020204" pitchFamily="34" charset="0"/>
-              <a:buChar char="•"/>
+              <a:rPr lang="en-US"/>
+              <a:t>   -  Impacts from wildfires on water resources: water quality within and downstream from a burn area may be significantly impacted.</a:t>
+            </a:r>
+            <a:endParaRPr lang="en-US"/>
+          </a:p>
+          <a:p>
+            <a:pPr marL="0" indent="0">
+              <a:buNone/>
             </a:pPr>
             <a:r>
-              <a:rPr lang="en-US" dirty="0"/>
-              <a:t> Temperature averages are consistent across all fire sizes</a:t>
-            </a:r>
-            <a:endParaRPr lang="en-US" dirty="0"/>
+              <a:rPr lang="en-US"/>
+              <a:t>   -  Climate change impacts </a:t>
+            </a:r>
+            <a:endParaRPr lang="en-US"/>
           </a:p>
         </p:txBody>
       </p:sp>
@@ -4339,201 +4214,10 @@
         <p:cNvGrpSpPr/>
         <p:nvPr/>
       </p:nvGrpSpPr>
-      <p:grpSpPr>
-        <a:xfrm>
-          <a:off x="0" y="0"/>
-          <a:ext cx="0" cy="0"/>
-          <a:chOff x="0" y="0"/>
-          <a:chExt cx="0" cy="0"/>
-        </a:xfrm>
-      </p:grpSpPr>
-      <p:sp>
-        <p:nvSpPr>
-          <p:cNvPr id="2" name="Title 1"/>
-          <p:cNvSpPr>
-            <a:spLocks noGrp="1"/>
-          </p:cNvSpPr>
-          <p:nvPr>
-            <p:ph type="title"/>
-          </p:nvPr>
-        </p:nvSpPr>
-        <p:spPr/>
-        <p:txBody>
-          <a:bodyPr/>
-          <a:lstStyle/>
-          <a:p>
-            <a:r>
-              <a:rPr lang="en-US" dirty="0"/>
-              <a:t>Humidity</a:t>
-            </a:r>
-            <a:endParaRPr lang="en-US" dirty="0"/>
-          </a:p>
-        </p:txBody>
-      </p:sp>
+      <p:grpSpPr/>
       <p:pic>
         <p:nvPicPr>
-          <p:cNvPr id="5" name="Content Placeholder 4" descr="Chart, scatter chart&#10;&#10;Description automatically generated"/>
-          <p:cNvPicPr>
-            <a:picLocks noGrp="1" noChangeAspect="1"/>
-          </p:cNvPicPr>
-          <p:nvPr>
-            <p:ph idx="1"/>
-          </p:nvPr>
-        </p:nvPicPr>
-        <p:blipFill>
-          <a:blip r:embed="rId1">
-            <a:extLst>
-              <a:ext uri="{28A0092B-C50C-407E-A947-70E740481C1C}">
-                <a14:useLocalDpi xmlns:a14="http://schemas.microsoft.com/office/drawing/2010/main" val="0"/>
-              </a:ext>
-            </a:extLst>
-          </a:blip>
-          <a:stretch>
-            <a:fillRect/>
-          </a:stretch>
-        </p:blipFill>
-        <p:spPr>
-          <a:xfrm>
-            <a:off x="986965" y="1813444"/>
-            <a:ext cx="4696658" cy="3287661"/>
-          </a:xfrm>
-        </p:spPr>
-      </p:pic>
-      <p:pic>
-        <p:nvPicPr>
-          <p:cNvPr id="7" name="Picture 6" descr="Chart, scatter chart&#10;&#10;Description automatically generated"/>
-          <p:cNvPicPr>
-            <a:picLocks noChangeAspect="1"/>
-          </p:cNvPicPr>
-          <p:nvPr/>
-        </p:nvPicPr>
-        <p:blipFill>
-          <a:blip r:embed="rId2">
-            <a:extLst>
-              <a:ext uri="{28A0092B-C50C-407E-A947-70E740481C1C}">
-                <a14:useLocalDpi xmlns:a14="http://schemas.microsoft.com/office/drawing/2010/main" val="0"/>
-              </a:ext>
-            </a:extLst>
-          </a:blip>
-          <a:stretch>
-            <a:fillRect/>
-          </a:stretch>
-        </p:blipFill>
-        <p:spPr>
-          <a:xfrm>
-            <a:off x="6355428" y="1813444"/>
-            <a:ext cx="4696658" cy="3157704"/>
-          </a:xfrm>
-          <a:prstGeom prst="rect">
-            <a:avLst/>
-          </a:prstGeom>
-        </p:spPr>
-      </p:pic>
-      <p:sp>
-        <p:nvSpPr>
-          <p:cNvPr id="9" name="TextBox 8"/>
-          <p:cNvSpPr txBox="1"/>
-          <p:nvPr/>
-        </p:nvSpPr>
-        <p:spPr>
-          <a:xfrm>
-            <a:off x="986965" y="5230906"/>
-            <a:ext cx="7716792" cy="646331"/>
-          </a:xfrm>
-          <a:prstGeom prst="rect">
-            <a:avLst/>
-          </a:prstGeom>
-          <a:noFill/>
-        </p:spPr>
-        <p:txBody>
-          <a:bodyPr wrap="none" rtlCol="0">
-            <a:spAutoFit/>
-          </a:bodyPr>
-          <a:lstStyle/>
-          <a:p>
-            <a:pPr marL="285750" indent="-285750">
-              <a:buFont typeface="Arial" panose="020B0604020202020204" pitchFamily="34" charset="0"/>
-              <a:buChar char="•"/>
-            </a:pPr>
-            <a:r>
-              <a:rPr lang="en-US" dirty="0"/>
-              <a:t>Between 60 and 75% humidity, there is a decrease in the duration of the fires</a:t>
-            </a:r>
-            <a:endParaRPr lang="en-US" dirty="0"/>
-          </a:p>
-          <a:p>
-            <a:pPr marL="285750" indent="-285750">
-              <a:buFont typeface="Arial" panose="020B0604020202020204" pitchFamily="34" charset="0"/>
-              <a:buChar char="•"/>
-            </a:pPr>
-            <a:r>
-              <a:rPr lang="en-US" dirty="0"/>
-              <a:t>Data clumped at 0% humidity, but none until about 10% </a:t>
-            </a:r>
-            <a:endParaRPr lang="en-US" dirty="0"/>
-          </a:p>
-        </p:txBody>
-      </p:sp>
-    </p:spTree>
-  </p:cSld>
-  <p:clrMapOvr>
-    <a:masterClrMapping/>
-  </p:clrMapOvr>
-  <mc:AlternateContent xmlns:mc="http://schemas.openxmlformats.org/markup-compatibility/2006">
-    <mc:Choice xmlns:p14="http://schemas.microsoft.com/office/powerpoint/2010/main" Requires="p14">
-      <p:transition p14:dur="500">
-        <p:fade/>
-      </p:transition>
-    </mc:Choice>
-    <mc:Fallback>
-      <p:transition>
-        <p:fade/>
-      </p:transition>
-    </mc:Fallback>
-  </mc:AlternateContent>
-</p:sld>
-</file>
-
-<file path=ppt/slides/slide14.xml><?xml version="1.0" encoding="utf-8"?>
-<p:sld xmlns:a="http://schemas.openxmlformats.org/drawingml/2006/main" xmlns:r="http://schemas.openxmlformats.org/officeDocument/2006/relationships" xmlns:p="http://schemas.openxmlformats.org/presentationml/2006/main">
-  <p:cSld>
-    <p:spTree>
-      <p:nvGrpSpPr>
-        <p:cNvPr id="1" name=""/>
-        <p:cNvGrpSpPr/>
-        <p:nvPr/>
-      </p:nvGrpSpPr>
-      <p:grpSpPr/>
-      <p:sp>
-        <p:nvSpPr>
-          <p:cNvPr id="2" name="Title 1"/>
-          <p:cNvSpPr>
-            <a:spLocks noGrp="1"/>
-          </p:cNvSpPr>
-          <p:nvPr>
-            <p:ph type="title"/>
-          </p:nvPr>
-        </p:nvSpPr>
-        <p:spPr>
-          <a:xfrm>
-            <a:off x="594995" y="365125"/>
-            <a:ext cx="10515600" cy="1325563"/>
-          </a:xfrm>
-        </p:spPr>
-        <p:txBody>
-          <a:bodyPr/>
-          <a:p>
-            <a:r>
-              <a:rPr lang="en-US"/>
-              <a:t>Humidity</a:t>
-            </a:r>
-            <a:endParaRPr lang="en-US"/>
-          </a:p>
-        </p:txBody>
-      </p:sp>
-      <p:pic>
-        <p:nvPicPr>
-          <p:cNvPr id="4" name="Picture 3" descr="h30"/>
+          <p:cNvPr id="4" name="Picture 3" descr="3d_man_with_thank_you_text_board_stock_photo_Slide01"/>
           <p:cNvPicPr>
             <a:picLocks noChangeAspect="1"/>
           </p:cNvPicPr>
@@ -4547,8 +4231,8 @@
         </p:blipFill>
         <p:spPr>
           <a:xfrm>
-            <a:off x="2809240" y="182245"/>
-            <a:ext cx="4627880" cy="3307715"/>
+            <a:off x="3848735" y="784225"/>
+            <a:ext cx="5464810" cy="5464810"/>
           </a:xfrm>
           <a:prstGeom prst="rect">
             <a:avLst/>
@@ -4557,11 +4241,13 @@
       </p:pic>
       <p:pic>
         <p:nvPicPr>
-          <p:cNvPr id="5" name="Picture 4" descr="h15"/>
+          <p:cNvPr id="5" name="Content Placeholder 4" descr="352-3526570_test-your-knowledge-on-hydration-questions-and-answers"/>
           <p:cNvPicPr>
             <a:picLocks noChangeAspect="1"/>
           </p:cNvPicPr>
-          <p:nvPr/>
+          <p:nvPr>
+            <p:ph idx="1"/>
+          </p:nvPr>
         </p:nvPicPr>
         <p:blipFill>
           <a:blip r:embed="rId2"/>
@@ -4571,803 +4257,14 @@
         </p:blipFill>
         <p:spPr>
           <a:xfrm>
-            <a:off x="2748915" y="3489960"/>
-            <a:ext cx="4688205" cy="3350260"/>
+            <a:off x="9961245" y="4259580"/>
+            <a:ext cx="1583055" cy="2110105"/>
           </a:xfrm>
           <a:prstGeom prst="rect">
             <a:avLst/>
           </a:prstGeom>
         </p:spPr>
       </p:pic>
-      <p:pic>
-        <p:nvPicPr>
-          <p:cNvPr id="6" name="Picture 5" descr="h7"/>
-          <p:cNvPicPr>
-            <a:picLocks noChangeAspect="1"/>
-          </p:cNvPicPr>
-          <p:nvPr/>
-        </p:nvPicPr>
-        <p:blipFill>
-          <a:blip r:embed="rId3"/>
-          <a:stretch>
-            <a:fillRect/>
-          </a:stretch>
-        </p:blipFill>
-        <p:spPr>
-          <a:xfrm>
-            <a:off x="7437120" y="182245"/>
-            <a:ext cx="4620260" cy="3302635"/>
-          </a:xfrm>
-          <a:prstGeom prst="rect">
-            <a:avLst/>
-          </a:prstGeom>
-        </p:spPr>
-      </p:pic>
-      <p:pic>
-        <p:nvPicPr>
-          <p:cNvPr id="7" name="Picture 6" descr="hc"/>
-          <p:cNvPicPr>
-            <a:picLocks noChangeAspect="1"/>
-          </p:cNvPicPr>
-          <p:nvPr/>
-        </p:nvPicPr>
-        <p:blipFill>
-          <a:blip r:embed="rId4"/>
-          <a:stretch>
-            <a:fillRect/>
-          </a:stretch>
-        </p:blipFill>
-        <p:spPr>
-          <a:xfrm>
-            <a:off x="7393305" y="3489960"/>
-            <a:ext cx="4664075" cy="3333115"/>
-          </a:xfrm>
-          <a:prstGeom prst="rect">
-            <a:avLst/>
-          </a:prstGeom>
-        </p:spPr>
-      </p:pic>
-    </p:spTree>
-  </p:cSld>
-  <p:clrMapOvr>
-    <a:masterClrMapping/>
-  </p:clrMapOvr>
-  <mc:AlternateContent xmlns:mc="http://schemas.openxmlformats.org/markup-compatibility/2006">
-    <mc:Choice xmlns:p14="http://schemas.microsoft.com/office/powerpoint/2010/main" Requires="p14">
-      <p:transition p14:dur="500">
-        <p:fade/>
-      </p:transition>
-    </mc:Choice>
-    <mc:Fallback>
-      <p:transition>
-        <p:fade/>
-      </p:transition>
-    </mc:Fallback>
-  </mc:AlternateContent>
-</p:sld>
-</file>
-
-<file path=ppt/slides/slide15.xml><?xml version="1.0" encoding="utf-8"?>
-<p:sld xmlns:a="http://schemas.openxmlformats.org/drawingml/2006/main" xmlns:r="http://schemas.openxmlformats.org/officeDocument/2006/relationships" xmlns:p="http://schemas.openxmlformats.org/presentationml/2006/main">
-  <p:cSld>
-    <p:spTree>
-      <p:nvGrpSpPr>
-        <p:cNvPr id="1" name=""/>
-        <p:cNvGrpSpPr/>
-        <p:nvPr/>
-      </p:nvGrpSpPr>
-      <p:grpSpPr>
-        <a:xfrm>
-          <a:off x="0" y="0"/>
-          <a:ext cx="0" cy="0"/>
-          <a:chOff x="0" y="0"/>
-          <a:chExt cx="0" cy="0"/>
-        </a:xfrm>
-      </p:grpSpPr>
-      <p:sp>
-        <p:nvSpPr>
-          <p:cNvPr id="2" name="Title 1"/>
-          <p:cNvSpPr>
-            <a:spLocks noGrp="1"/>
-          </p:cNvSpPr>
-          <p:nvPr>
-            <p:ph type="title"/>
-          </p:nvPr>
-        </p:nvSpPr>
-        <p:spPr/>
-        <p:txBody>
-          <a:bodyPr/>
-          <a:lstStyle/>
-          <a:p>
-            <a:r>
-              <a:rPr lang="en-US" dirty="0"/>
-              <a:t>Humidity</a:t>
-            </a:r>
-            <a:endParaRPr lang="en-US" dirty="0"/>
-          </a:p>
-        </p:txBody>
-      </p:sp>
-      <p:pic>
-        <p:nvPicPr>
-          <p:cNvPr id="5" name="Content Placeholder 4" descr="Chart, bar chart&#10;&#10;Description automatically generated"/>
-          <p:cNvPicPr>
-            <a:picLocks noGrp="1" noChangeAspect="1"/>
-          </p:cNvPicPr>
-          <p:nvPr>
-            <p:ph idx="1"/>
-          </p:nvPr>
-        </p:nvPicPr>
-        <p:blipFill>
-          <a:blip r:embed="rId1">
-            <a:extLst>
-              <a:ext uri="{28A0092B-C50C-407E-A947-70E740481C1C}">
-                <a14:useLocalDpi xmlns:a14="http://schemas.microsoft.com/office/drawing/2010/main" val="0"/>
-              </a:ext>
-            </a:extLst>
-          </a:blip>
-          <a:stretch>
-            <a:fillRect/>
-          </a:stretch>
-        </p:blipFill>
-        <p:spPr>
-          <a:xfrm>
-            <a:off x="2199662" y="1502429"/>
-            <a:ext cx="7293804" cy="4078099"/>
-          </a:xfrm>
-        </p:spPr>
-      </p:pic>
-      <p:sp>
-        <p:nvSpPr>
-          <p:cNvPr id="6" name="TextBox 5"/>
-          <p:cNvSpPr txBox="1"/>
-          <p:nvPr/>
-        </p:nvSpPr>
-        <p:spPr>
-          <a:xfrm>
-            <a:off x="2756647" y="5836024"/>
-            <a:ext cx="5423792" cy="646331"/>
-          </a:xfrm>
-          <a:prstGeom prst="rect">
-            <a:avLst/>
-          </a:prstGeom>
-          <a:noFill/>
-        </p:spPr>
-        <p:txBody>
-          <a:bodyPr wrap="none" rtlCol="0">
-            <a:spAutoFit/>
-          </a:bodyPr>
-          <a:lstStyle/>
-          <a:p>
-            <a:pPr marL="285750" indent="-285750">
-              <a:buFont typeface="Arial" panose="020B0604020202020204" pitchFamily="34" charset="0"/>
-              <a:buChar char="•"/>
-            </a:pPr>
-            <a:r>
-              <a:rPr lang="en-US" dirty="0"/>
-              <a:t>Humidity decreases up until the date of containment</a:t>
-            </a:r>
-            <a:endParaRPr lang="en-US" dirty="0"/>
-          </a:p>
-          <a:p>
-            <a:pPr marL="285750" indent="-285750">
-              <a:buFont typeface="Arial" panose="020B0604020202020204" pitchFamily="34" charset="0"/>
-              <a:buChar char="•"/>
-            </a:pPr>
-            <a:r>
-              <a:rPr lang="en-US" dirty="0"/>
-              <a:t>Fires 100-250 acres tend to have lower humidity</a:t>
-            </a:r>
-            <a:endParaRPr lang="en-US" dirty="0"/>
-          </a:p>
-        </p:txBody>
-      </p:sp>
-    </p:spTree>
-  </p:cSld>
-  <p:clrMapOvr>
-    <a:masterClrMapping/>
-  </p:clrMapOvr>
-  <mc:AlternateContent xmlns:mc="http://schemas.openxmlformats.org/markup-compatibility/2006">
-    <mc:Choice xmlns:p14="http://schemas.microsoft.com/office/powerpoint/2010/main" Requires="p14">
-      <p:transition p14:dur="500">
-        <p:fade/>
-      </p:transition>
-    </mc:Choice>
-    <mc:Fallback>
-      <p:transition>
-        <p:fade/>
-      </p:transition>
-    </mc:Fallback>
-  </mc:AlternateContent>
-</p:sld>
-</file>
-
-<file path=ppt/slides/slide16.xml><?xml version="1.0" encoding="utf-8"?>
-<p:sld xmlns:a="http://schemas.openxmlformats.org/drawingml/2006/main" xmlns:r="http://schemas.openxmlformats.org/officeDocument/2006/relationships" xmlns:p="http://schemas.openxmlformats.org/presentationml/2006/main">
-  <p:cSld>
-    <p:spTree>
-      <p:nvGrpSpPr>
-        <p:cNvPr id="1" name=""/>
-        <p:cNvGrpSpPr/>
-        <p:nvPr/>
-      </p:nvGrpSpPr>
-      <p:grpSpPr>
-        <a:xfrm>
-          <a:off x="0" y="0"/>
-          <a:ext cx="0" cy="0"/>
-          <a:chOff x="0" y="0"/>
-          <a:chExt cx="0" cy="0"/>
-        </a:xfrm>
-      </p:grpSpPr>
-      <p:sp>
-        <p:nvSpPr>
-          <p:cNvPr id="2" name="Title 1"/>
-          <p:cNvSpPr>
-            <a:spLocks noGrp="1"/>
-          </p:cNvSpPr>
-          <p:nvPr>
-            <p:ph type="title"/>
-          </p:nvPr>
-        </p:nvSpPr>
-        <p:spPr/>
-        <p:txBody>
-          <a:bodyPr/>
-          <a:lstStyle/>
-          <a:p>
-            <a:r>
-              <a:rPr lang="en-US" dirty="0"/>
-              <a:t>Precipitation</a:t>
-            </a:r>
-            <a:endParaRPr lang="en-US" dirty="0"/>
-          </a:p>
-        </p:txBody>
-      </p:sp>
-      <p:pic>
-        <p:nvPicPr>
-          <p:cNvPr id="5" name="Content Placeholder 4" descr="Chart, scatter chart&#10;&#10;Description automatically generated"/>
-          <p:cNvPicPr>
-            <a:picLocks noGrp="1" noChangeAspect="1"/>
-          </p:cNvPicPr>
-          <p:nvPr>
-            <p:ph idx="1"/>
-          </p:nvPr>
-        </p:nvPicPr>
-        <p:blipFill>
-          <a:blip r:embed="rId1">
-            <a:extLst>
-              <a:ext uri="{28A0092B-C50C-407E-A947-70E740481C1C}">
-                <a14:useLocalDpi xmlns:a14="http://schemas.microsoft.com/office/drawing/2010/main" val="0"/>
-              </a:ext>
-            </a:extLst>
-          </a:blip>
-          <a:stretch>
-            <a:fillRect/>
-          </a:stretch>
-        </p:blipFill>
-        <p:spPr>
-          <a:xfrm>
-            <a:off x="568325" y="1376680"/>
-            <a:ext cx="4938395" cy="3558540"/>
-          </a:xfrm>
-        </p:spPr>
-      </p:pic>
-      <p:pic>
-        <p:nvPicPr>
-          <p:cNvPr id="7" name="Picture 6" descr="Chart, scatter chart&#10;&#10;Description automatically generated"/>
-          <p:cNvPicPr>
-            <a:picLocks noChangeAspect="1"/>
-          </p:cNvPicPr>
-          <p:nvPr/>
-        </p:nvPicPr>
-        <p:blipFill>
-          <a:blip r:embed="rId2">
-            <a:extLst>
-              <a:ext uri="{28A0092B-C50C-407E-A947-70E740481C1C}">
-                <a14:useLocalDpi xmlns:a14="http://schemas.microsoft.com/office/drawing/2010/main" val="0"/>
-              </a:ext>
-            </a:extLst>
-          </a:blip>
-          <a:stretch>
-            <a:fillRect/>
-          </a:stretch>
-        </p:blipFill>
-        <p:spPr>
-          <a:xfrm>
-            <a:off x="6039435" y="1488511"/>
-            <a:ext cx="5333961" cy="3649552"/>
-          </a:xfrm>
-          <a:prstGeom prst="rect">
-            <a:avLst/>
-          </a:prstGeom>
-        </p:spPr>
-      </p:pic>
-      <p:sp>
-        <p:nvSpPr>
-          <p:cNvPr id="8" name="TextBox 7"/>
-          <p:cNvSpPr txBox="1"/>
-          <p:nvPr/>
-        </p:nvSpPr>
-        <p:spPr>
-          <a:xfrm>
-            <a:off x="1210235" y="5674659"/>
-            <a:ext cx="6141874" cy="646331"/>
-          </a:xfrm>
-          <a:prstGeom prst="rect">
-            <a:avLst/>
-          </a:prstGeom>
-          <a:noFill/>
-        </p:spPr>
-        <p:txBody>
-          <a:bodyPr wrap="none" rtlCol="0">
-            <a:spAutoFit/>
-          </a:bodyPr>
-          <a:lstStyle/>
-          <a:p>
-            <a:pPr marL="285750" indent="-285750">
-              <a:buFont typeface="Arial" panose="020B0604020202020204" pitchFamily="34" charset="0"/>
-              <a:buChar char="•"/>
-            </a:pPr>
-            <a:r>
-              <a:rPr lang="en-US" dirty="0"/>
-              <a:t>Data for both graphs is clumped at 0 precipitation</a:t>
-            </a:r>
-            <a:endParaRPr lang="en-US" dirty="0"/>
-          </a:p>
-          <a:p>
-            <a:pPr marL="285750" indent="-285750">
-              <a:buFont typeface="Arial" panose="020B0604020202020204" pitchFamily="34" charset="0"/>
-              <a:buChar char="•"/>
-            </a:pPr>
-            <a:r>
-              <a:rPr lang="en-US" dirty="0"/>
-              <a:t>Fires greater than 75,000 acres have little to no precipitation</a:t>
-            </a:r>
-            <a:endParaRPr lang="en-US" dirty="0"/>
-          </a:p>
-        </p:txBody>
-      </p:sp>
-    </p:spTree>
-  </p:cSld>
-  <p:clrMapOvr>
-    <a:masterClrMapping/>
-  </p:clrMapOvr>
-  <mc:AlternateContent xmlns:mc="http://schemas.openxmlformats.org/markup-compatibility/2006">
-    <mc:Choice xmlns:p14="http://schemas.microsoft.com/office/powerpoint/2010/main" Requires="p14">
-      <p:transition p14:dur="500">
-        <p:fade/>
-      </p:transition>
-    </mc:Choice>
-    <mc:Fallback>
-      <p:transition>
-        <p:fade/>
-      </p:transition>
-    </mc:Fallback>
-  </mc:AlternateContent>
-</p:sld>
-</file>
-
-<file path=ppt/slides/slide17.xml><?xml version="1.0" encoding="utf-8"?>
-<p:sld xmlns:a="http://schemas.openxmlformats.org/drawingml/2006/main" xmlns:r="http://schemas.openxmlformats.org/officeDocument/2006/relationships" xmlns:p="http://schemas.openxmlformats.org/presentationml/2006/main">
-  <p:cSld>
-    <p:spTree>
-      <p:nvGrpSpPr>
-        <p:cNvPr id="1" name=""/>
-        <p:cNvGrpSpPr/>
-        <p:nvPr/>
-      </p:nvGrpSpPr>
-      <p:grpSpPr/>
-      <p:sp>
-        <p:nvSpPr>
-          <p:cNvPr id="2" name="Title 1"/>
-          <p:cNvSpPr>
-            <a:spLocks noGrp="1"/>
-          </p:cNvSpPr>
-          <p:nvPr>
-            <p:ph type="title"/>
-          </p:nvPr>
-        </p:nvSpPr>
-        <p:spPr>
-          <a:xfrm>
-            <a:off x="208915" y="365125"/>
-            <a:ext cx="10515600" cy="1325563"/>
-          </a:xfrm>
-        </p:spPr>
-        <p:txBody>
-          <a:bodyPr>
-            <a:normAutofit/>
-          </a:bodyPr>
-          <a:p>
-            <a:r>
-              <a:rPr lang="en-US" sz="4000" dirty="0">
-                <a:sym typeface="+mn-ea"/>
-              </a:rPr>
-              <a:t>Precipitation</a:t>
-            </a:r>
-            <a:endParaRPr lang="en-US" sz="4000"/>
-          </a:p>
-        </p:txBody>
-      </p:sp>
-      <p:pic>
-        <p:nvPicPr>
-          <p:cNvPr id="4" name="Picture 3" descr="p30"/>
-          <p:cNvPicPr>
-            <a:picLocks noChangeAspect="1"/>
-          </p:cNvPicPr>
-          <p:nvPr/>
-        </p:nvPicPr>
-        <p:blipFill>
-          <a:blip r:embed="rId1"/>
-          <a:stretch>
-            <a:fillRect/>
-          </a:stretch>
-        </p:blipFill>
-        <p:spPr>
-          <a:xfrm>
-            <a:off x="2900680" y="122555"/>
-            <a:ext cx="4541520" cy="3246120"/>
-          </a:xfrm>
-          <a:prstGeom prst="rect">
-            <a:avLst/>
-          </a:prstGeom>
-        </p:spPr>
-      </p:pic>
-      <p:pic>
-        <p:nvPicPr>
-          <p:cNvPr id="5" name="Picture 4" descr="p15"/>
-          <p:cNvPicPr>
-            <a:picLocks noChangeAspect="1"/>
-          </p:cNvPicPr>
-          <p:nvPr/>
-        </p:nvPicPr>
-        <p:blipFill>
-          <a:blip r:embed="rId2"/>
-          <a:stretch>
-            <a:fillRect/>
-          </a:stretch>
-        </p:blipFill>
-        <p:spPr>
-          <a:xfrm>
-            <a:off x="2900680" y="3472180"/>
-            <a:ext cx="4541520" cy="3245485"/>
-          </a:xfrm>
-          <a:prstGeom prst="rect">
-            <a:avLst/>
-          </a:prstGeom>
-        </p:spPr>
-      </p:pic>
-      <p:pic>
-        <p:nvPicPr>
-          <p:cNvPr id="6" name="Picture 5" descr="p7"/>
-          <p:cNvPicPr>
-            <a:picLocks noChangeAspect="1"/>
-          </p:cNvPicPr>
-          <p:nvPr/>
-        </p:nvPicPr>
-        <p:blipFill>
-          <a:blip r:embed="rId3"/>
-          <a:stretch>
-            <a:fillRect/>
-          </a:stretch>
-        </p:blipFill>
-        <p:spPr>
-          <a:xfrm>
-            <a:off x="7442200" y="122555"/>
-            <a:ext cx="4543425" cy="3247390"/>
-          </a:xfrm>
-          <a:prstGeom prst="rect">
-            <a:avLst/>
-          </a:prstGeom>
-        </p:spPr>
-      </p:pic>
-      <p:pic>
-        <p:nvPicPr>
-          <p:cNvPr id="7" name="Picture 6" descr="pc"/>
-          <p:cNvPicPr>
-            <a:picLocks noChangeAspect="1"/>
-          </p:cNvPicPr>
-          <p:nvPr/>
-        </p:nvPicPr>
-        <p:blipFill>
-          <a:blip r:embed="rId4"/>
-          <a:stretch>
-            <a:fillRect/>
-          </a:stretch>
-        </p:blipFill>
-        <p:spPr>
-          <a:xfrm>
-            <a:off x="7442200" y="3472180"/>
-            <a:ext cx="4541520" cy="3246120"/>
-          </a:xfrm>
-          <a:prstGeom prst="rect">
-            <a:avLst/>
-          </a:prstGeom>
-        </p:spPr>
-      </p:pic>
-    </p:spTree>
-  </p:cSld>
-  <p:clrMapOvr>
-    <a:masterClrMapping/>
-  </p:clrMapOvr>
-  <mc:AlternateContent xmlns:mc="http://schemas.openxmlformats.org/markup-compatibility/2006">
-    <mc:Choice xmlns:p14="http://schemas.microsoft.com/office/powerpoint/2010/main" Requires="p14">
-      <p:transition p14:dur="500">
-        <p:fade/>
-      </p:transition>
-    </mc:Choice>
-    <mc:Fallback>
-      <p:transition>
-        <p:fade/>
-      </p:transition>
-    </mc:Fallback>
-  </mc:AlternateContent>
-</p:sld>
-</file>
-
-<file path=ppt/slides/slide18.xml><?xml version="1.0" encoding="utf-8"?>
-<p:sld xmlns:a="http://schemas.openxmlformats.org/drawingml/2006/main" xmlns:r="http://schemas.openxmlformats.org/officeDocument/2006/relationships" xmlns:p="http://schemas.openxmlformats.org/presentationml/2006/main">
-  <p:cSld>
-    <p:spTree>
-      <p:nvGrpSpPr>
-        <p:cNvPr id="1" name=""/>
-        <p:cNvGrpSpPr/>
-        <p:nvPr/>
-      </p:nvGrpSpPr>
-      <p:grpSpPr>
-        <a:xfrm>
-          <a:off x="0" y="0"/>
-          <a:ext cx="0" cy="0"/>
-          <a:chOff x="0" y="0"/>
-          <a:chExt cx="0" cy="0"/>
-        </a:xfrm>
-      </p:grpSpPr>
-      <p:sp>
-        <p:nvSpPr>
-          <p:cNvPr id="2" name="Title 1"/>
-          <p:cNvSpPr>
-            <a:spLocks noGrp="1"/>
-          </p:cNvSpPr>
-          <p:nvPr>
-            <p:ph type="title"/>
-          </p:nvPr>
-        </p:nvSpPr>
-        <p:spPr/>
-        <p:txBody>
-          <a:bodyPr/>
-          <a:lstStyle/>
-          <a:p>
-            <a:r>
-              <a:rPr lang="en-US" dirty="0"/>
-              <a:t>Precipitation</a:t>
-            </a:r>
-            <a:endParaRPr lang="en-US" dirty="0"/>
-          </a:p>
-        </p:txBody>
-      </p:sp>
-      <p:pic>
-        <p:nvPicPr>
-          <p:cNvPr id="5" name="Content Placeholder 4" descr="Chart, bar chart&#10;&#10;Description automatically generated"/>
-          <p:cNvPicPr>
-            <a:picLocks noGrp="1" noChangeAspect="1"/>
-          </p:cNvPicPr>
-          <p:nvPr>
-            <p:ph idx="1"/>
-          </p:nvPr>
-        </p:nvPicPr>
-        <p:blipFill>
-          <a:blip r:embed="rId1">
-            <a:extLst>
-              <a:ext uri="{28A0092B-C50C-407E-A947-70E740481C1C}">
-                <a14:useLocalDpi xmlns:a14="http://schemas.microsoft.com/office/drawing/2010/main" val="0"/>
-              </a:ext>
-            </a:extLst>
-          </a:blip>
-          <a:stretch>
-            <a:fillRect/>
-          </a:stretch>
-        </p:blipFill>
-        <p:spPr>
-          <a:xfrm>
-            <a:off x="2451236" y="1534133"/>
-            <a:ext cx="6006964" cy="3360033"/>
-          </a:xfrm>
-        </p:spPr>
-      </p:pic>
-      <p:sp>
-        <p:nvSpPr>
-          <p:cNvPr id="6" name="TextBox 5"/>
-          <p:cNvSpPr txBox="1"/>
-          <p:nvPr/>
-        </p:nvSpPr>
-        <p:spPr>
-          <a:xfrm>
-            <a:off x="1183342" y="4892998"/>
-            <a:ext cx="9257727" cy="1477328"/>
-          </a:xfrm>
-          <a:prstGeom prst="rect">
-            <a:avLst/>
-          </a:prstGeom>
-          <a:noFill/>
-        </p:spPr>
-        <p:txBody>
-          <a:bodyPr wrap="none" rtlCol="0">
-            <a:spAutoFit/>
-          </a:bodyPr>
-          <a:lstStyle/>
-          <a:p>
-            <a:pPr marL="285750" indent="-285750">
-              <a:buFont typeface="Arial" panose="020B0604020202020204" pitchFamily="34" charset="0"/>
-              <a:buChar char="•"/>
-            </a:pPr>
-            <a:r>
-              <a:rPr lang="en-US" dirty="0"/>
-              <a:t>Precipitation averages are surprisingly high 30 days prior</a:t>
-            </a:r>
-            <a:endParaRPr lang="en-US" dirty="0"/>
-          </a:p>
-          <a:p>
-            <a:pPr marL="285750" indent="-285750">
-              <a:buFont typeface="Arial" panose="020B0604020202020204" pitchFamily="34" charset="0"/>
-              <a:buChar char="•"/>
-            </a:pPr>
-            <a:r>
-              <a:rPr lang="en-US" dirty="0"/>
-              <a:t>Large fires have spike of precipitation on containment. Rainfall may have helped containment</a:t>
-            </a:r>
-            <a:endParaRPr lang="en-US" dirty="0"/>
-          </a:p>
-          <a:p>
-            <a:pPr marL="285750" indent="-285750">
-              <a:buFont typeface="Arial" panose="020B0604020202020204" pitchFamily="34" charset="0"/>
-              <a:buChar char="•"/>
-            </a:pPr>
-            <a:r>
-              <a:rPr lang="en-US" dirty="0"/>
-              <a:t>Fires between 251 and 100 acres have much higher precipitation levels than other size groups</a:t>
-            </a:r>
-            <a:endParaRPr lang="en-US" dirty="0"/>
-          </a:p>
-          <a:p>
-            <a:pPr marL="285750" indent="-285750">
-              <a:buFont typeface="Arial" panose="020B0604020202020204" pitchFamily="34" charset="0"/>
-              <a:buChar char="•"/>
-            </a:pPr>
-            <a:r>
-              <a:rPr lang="en-US" dirty="0"/>
-              <a:t>Could be related to storm systems with lighting causing mid-range fires</a:t>
-            </a:r>
-            <a:endParaRPr lang="en-US" dirty="0"/>
-          </a:p>
-          <a:p>
-            <a:pPr marL="285750" indent="-285750">
-              <a:buFont typeface="Arial" panose="020B0604020202020204" pitchFamily="34" charset="0"/>
-              <a:buChar char="•"/>
-            </a:pPr>
-            <a:r>
-              <a:rPr lang="en-US" dirty="0"/>
-              <a:t>Precipitation for fires 11-250 acres is suspiciously low. Could be data error.</a:t>
-            </a:r>
-            <a:endParaRPr lang="en-US" dirty="0"/>
-          </a:p>
-        </p:txBody>
-      </p:sp>
-    </p:spTree>
-  </p:cSld>
-  <p:clrMapOvr>
-    <a:masterClrMapping/>
-  </p:clrMapOvr>
-  <mc:AlternateContent xmlns:mc="http://schemas.openxmlformats.org/markup-compatibility/2006">
-    <mc:Choice xmlns:p14="http://schemas.microsoft.com/office/powerpoint/2010/main" Requires="p14">
-      <p:transition p14:dur="500">
-        <p:fade/>
-      </p:transition>
-    </mc:Choice>
-    <mc:Fallback>
-      <p:transition>
-        <p:fade/>
-      </p:transition>
-    </mc:Fallback>
-  </mc:AlternateContent>
-</p:sld>
-</file>
-
-<file path=ppt/slides/slide19.xml><?xml version="1.0" encoding="utf-8"?>
-<p:sld xmlns:a="http://schemas.openxmlformats.org/drawingml/2006/main" xmlns:r="http://schemas.openxmlformats.org/officeDocument/2006/relationships" xmlns:p="http://schemas.openxmlformats.org/presentationml/2006/main">
-  <p:cSld>
-    <p:spTree>
-      <p:nvGrpSpPr>
-        <p:cNvPr id="1" name=""/>
-        <p:cNvGrpSpPr/>
-        <p:nvPr/>
-      </p:nvGrpSpPr>
-      <p:grpSpPr/>
-      <p:sp>
-        <p:nvSpPr>
-          <p:cNvPr id="2" name="Title 1"/>
-          <p:cNvSpPr>
-            <a:spLocks noGrp="1"/>
-          </p:cNvSpPr>
-          <p:nvPr>
-            <p:ph type="title"/>
-          </p:nvPr>
-        </p:nvSpPr>
-        <p:spPr/>
-        <p:txBody>
-          <a:bodyPr/>
-          <a:p>
-            <a:r>
-              <a:rPr lang="en-US"/>
-              <a:t>Visualization of Wildfire Map</a:t>
-            </a:r>
-            <a:endParaRPr lang="en-US"/>
-          </a:p>
-        </p:txBody>
-      </p:sp>
-      <p:sp>
-        <p:nvSpPr>
-          <p:cNvPr id="3" name="Content Placeholder 2"/>
-          <p:cNvSpPr>
-            <a:spLocks noGrp="1"/>
-          </p:cNvSpPr>
-          <p:nvPr>
-            <p:ph idx="1"/>
-          </p:nvPr>
-        </p:nvSpPr>
-        <p:spPr>
-          <a:xfrm>
-            <a:off x="1279525" y="2639695"/>
-            <a:ext cx="10515600" cy="1400810"/>
-          </a:xfrm>
-        </p:spPr>
-        <p:txBody>
-          <a:bodyPr>
-            <a:normAutofit lnSpcReduction="20000"/>
-          </a:bodyPr>
-          <a:p>
-            <a:pPr marL="457200" lvl="1" indent="0" algn="ctr">
-              <a:buNone/>
-            </a:pPr>
-            <a:r>
-              <a:rPr lang="en-US"/>
-              <a:t>Questions:</a:t>
-            </a:r>
-            <a:br>
-              <a:rPr lang="en-US"/>
-            </a:br>
-            <a:endParaRPr lang="en-US"/>
-          </a:p>
-          <a:p>
-            <a:pPr lvl="1" algn="l"/>
-            <a:r>
-              <a:rPr lang="en-US"/>
-              <a:t>Where are the large scale wildfire located in California?</a:t>
-            </a:r>
-            <a:endParaRPr lang="en-US"/>
-          </a:p>
-          <a:p>
-            <a:pPr lvl="1" algn="l"/>
-            <a:r>
-              <a:rPr lang="en-US"/>
-              <a:t>Where did the wildfires located </a:t>
-            </a:r>
-            <a:r>
-              <a:rPr lang="en-US">
-                <a:sym typeface="+mn-ea"/>
-              </a:rPr>
-              <a:t>in California</a:t>
-            </a:r>
-            <a:r>
-              <a:rPr lang="en-US"/>
-              <a:t>?</a:t>
-            </a:r>
-            <a:endParaRPr lang="en-US"/>
-          </a:p>
-          <a:p>
-            <a:pPr marL="457200" lvl="1" indent="0">
-              <a:buNone/>
-            </a:pPr>
-            <a:endParaRPr lang="en-US"/>
-          </a:p>
-        </p:txBody>
-      </p:sp>
     </p:spTree>
   </p:cSld>
   <p:clrMapOvr>
@@ -5397,14 +4294,7 @@
         <p:cNvGrpSpPr/>
         <p:nvPr/>
       </p:nvGrpSpPr>
-      <p:grpSpPr>
-        <a:xfrm>
-          <a:off x="0" y="0"/>
-          <a:ext cx="0" cy="0"/>
-          <a:chOff x="0" y="0"/>
-          <a:chExt cx="0" cy="0"/>
-        </a:xfrm>
-      </p:grpSpPr>
+      <p:grpSpPr/>
       <p:sp>
         <p:nvSpPr>
           <p:cNvPr id="2" name="Title 1"/>
@@ -5412,90 +4302,98 @@
             <a:spLocks noGrp="1"/>
           </p:cNvSpPr>
           <p:nvPr>
-            <p:ph type="ctrTitle"/>
-          </p:nvPr>
-        </p:nvSpPr>
-        <p:spPr>
-          <a:xfrm>
-            <a:off x="1448500" y="604006"/>
-            <a:ext cx="9144000" cy="1345603"/>
-          </a:xfrm>
-        </p:spPr>
-        <p:txBody>
-          <a:bodyPr/>
-          <a:lstStyle/>
-          <a:p>
-            <a:r>
-              <a:rPr lang="en-US" dirty="0"/>
-              <a:t>Causes of Wildfires: Weather</a:t>
-            </a:r>
-            <a:endParaRPr lang="en-US" dirty="0"/>
-          </a:p>
-        </p:txBody>
-      </p:sp>
-      <p:sp>
-        <p:nvSpPr>
-          <p:cNvPr id="3" name="Subtitle 2"/>
-          <p:cNvSpPr>
-            <a:spLocks noGrp="1"/>
-          </p:cNvSpPr>
-          <p:nvPr>
-            <p:ph type="subTitle" idx="1"/>
-          </p:nvPr>
-        </p:nvSpPr>
-        <p:spPr>
-          <a:xfrm>
-            <a:off x="1524000" y="2997835"/>
-            <a:ext cx="9144000" cy="2708275"/>
-          </a:xfrm>
-        </p:spPr>
-        <p:txBody>
-          <a:bodyPr>
-            <a:normAutofit/>
-          </a:bodyPr>
-          <a:lstStyle/>
-          <a:p>
-            <a:r>
-              <a:rPr lang="en-US" dirty="0"/>
-              <a:t>Questions</a:t>
-            </a:r>
-            <a:endParaRPr lang="en-US" dirty="0"/>
-          </a:p>
-          <a:p>
-            <a:pPr marL="342900" indent="-342900" algn="l">
-              <a:buFont typeface="Arial" panose="020B0604020202020204" pitchFamily="34" charset="0"/>
-              <a:buChar char="•"/>
+            <p:ph type="title"/>
+          </p:nvPr>
+        </p:nvSpPr>
+        <p:spPr/>
+        <p:txBody>
+          <a:bodyPr/>
+          <a:p>
+            <a:pPr algn="ctr"/>
+            <a:r>
+              <a:rPr lang="en-US"/>
+              <a:t>Project Motivation </a:t>
+            </a:r>
+            <a:endParaRPr lang="en-US"/>
+          </a:p>
+        </p:txBody>
+      </p:sp>
+      <p:sp>
+        <p:nvSpPr>
+          <p:cNvPr id="3" name="Content Placeholder 2"/>
+          <p:cNvSpPr>
+            <a:spLocks noGrp="1"/>
+          </p:cNvSpPr>
+          <p:nvPr>
+            <p:ph idx="1"/>
+          </p:nvPr>
+        </p:nvSpPr>
+        <p:spPr>
+          <a:xfrm>
+            <a:off x="2602865" y="1691005"/>
+            <a:ext cx="9230360" cy="4488815"/>
+          </a:xfrm>
+        </p:spPr>
+        <p:txBody>
+          <a:bodyPr/>
+          <a:p>
+            <a:r>
+              <a:rPr lang="en-US"/>
+              <a:t>Motivation</a:t>
+            </a:r>
+            <a:br>
+              <a:rPr lang="en-US"/>
+            </a:br>
+            <a:r>
+              <a:rPr lang="en-US"/>
+              <a:t>-  With wildfires becoming an increasing problem in California, we wanted to see if we could find an trends in the causes and effects of the fires</a:t>
+            </a:r>
+            <a:endParaRPr lang="en-US"/>
+          </a:p>
+          <a:p>
+            <a:r>
+              <a:rPr lang="en-US"/>
+              <a:t>Cause of wildfires</a:t>
+            </a:r>
+            <a:br>
+              <a:rPr lang="en-US"/>
+            </a:br>
+            <a:r>
+              <a:rPr lang="en-US"/>
+              <a:t>-  Weather factors</a:t>
+            </a:r>
+            <a:br>
+              <a:rPr lang="en-US"/>
+            </a:br>
+            <a:r>
+              <a:rPr lang="en-US"/>
+              <a:t>-  Human activities</a:t>
+            </a:r>
+            <a:endParaRPr lang="en-US"/>
+          </a:p>
+          <a:p>
+            <a:r>
+              <a:rPr lang="en-US"/>
+              <a:t>Effects of wildfires</a:t>
+            </a:r>
+            <a:endParaRPr lang="en-US"/>
+          </a:p>
+          <a:p>
+            <a:pPr marL="0" indent="0">
+              <a:buNone/>
             </a:pPr>
             <a:r>
-              <a:rPr lang="en-US" dirty="0"/>
-              <a:t>Is there a difference between average weather on any day for a location, and the weather in the location of a fire?</a:t>
-            </a:r>
-            <a:endParaRPr lang="en-US" dirty="0"/>
-          </a:p>
-          <a:p>
-            <a:pPr marL="342900" indent="-342900" algn="l">
-              <a:buFont typeface="Arial" panose="020B0604020202020204" pitchFamily="34" charset="0"/>
-              <a:buChar char="•"/>
-            </a:pPr>
-            <a:endParaRPr lang="en-US" dirty="0"/>
-          </a:p>
-          <a:p>
-            <a:pPr marL="342900" indent="-342900" algn="l">
-              <a:buFont typeface="Arial" panose="020B0604020202020204" pitchFamily="34" charset="0"/>
-              <a:buChar char="•"/>
-            </a:pPr>
-            <a:r>
-              <a:rPr lang="en-US" dirty="0"/>
-              <a:t>Are there weather trends in the time prior to the fire being contained?</a:t>
-            </a:r>
-            <a:endParaRPr lang="en-US" dirty="0"/>
-          </a:p>
-          <a:p>
-            <a:pPr marL="342900" indent="-342900" algn="l">
-              <a:buFont typeface="Arial" panose="020B0604020202020204" pitchFamily="34" charset="0"/>
-              <a:buChar char="•"/>
-            </a:pPr>
-            <a:endParaRPr lang="en-US" dirty="0"/>
+              <a:rPr lang="en-US"/>
+              <a:t>   -  Air quality</a:t>
+            </a:r>
+            <a:br>
+              <a:rPr lang="en-US"/>
+            </a:br>
+            <a:r>
+              <a:rPr lang="en-US"/>
+              <a:t>   -  Financial cost</a:t>
+            </a:r>
+            <a:endParaRPr lang="en-US"/>
           </a:p>
         </p:txBody>
       </p:sp>
@@ -5519,7 +4417,7 @@
 </p:sld>
 </file>
 
-<file path=ppt/slides/slide20.xml><?xml version="1.0" encoding="utf-8"?>
+<file path=ppt/slides/slide3.xml><?xml version="1.0" encoding="utf-8"?>
 <p:sld xmlns:a="http://schemas.openxmlformats.org/drawingml/2006/main" xmlns:r="http://schemas.openxmlformats.org/officeDocument/2006/relationships" xmlns:p="http://schemas.openxmlformats.org/presentationml/2006/main">
   <p:cSld>
     <p:spTree>
@@ -5543,9 +4441,10 @@
         <p:txBody>
           <a:bodyPr/>
           <a:p>
-            <a:r>
-              <a:rPr lang="en-US"/>
-              <a:t>Fire Size Heatmap - using API </a:t>
+            <a:pPr algn="ctr"/>
+            <a:r>
+              <a:rPr lang="en-US"/>
+              <a:t>Data Source</a:t>
             </a:r>
             <a:endParaRPr lang="en-US"/>
           </a:p>
@@ -5563,26 +4462,158 @@
         </p:nvSpPr>
         <p:spPr>
           <a:xfrm>
-            <a:off x="8702040" y="1825625"/>
-            <a:ext cx="3131185" cy="3765550"/>
-          </a:xfrm>
-        </p:spPr>
-        <p:txBody>
-          <a:bodyPr>
-            <a:normAutofit/>
+            <a:off x="838200" y="1643380"/>
+            <a:ext cx="10515600" cy="4351338"/>
+          </a:xfrm>
+        </p:spPr>
+        <p:txBody>
+          <a:bodyPr/>
+          <a:p>
+            <a:r>
+              <a:rPr lang="en-US"/>
+              <a:t>kaggle.com</a:t>
+            </a:r>
+            <a:br>
+              <a:rPr lang="en-US"/>
+            </a:br>
+            <a:r>
+              <a:rPr lang="en-US"/>
+              <a:t>U.S. Wildfire data (plus other attributes) which has a subset of 1.88 Million US wildfire database</a:t>
+            </a:r>
+            <a:r>
+              <a:rPr lang="en-US">
+                <a:sym typeface="+mn-ea"/>
+              </a:rPr>
+              <a:t>(Year 1995 - Year 2015)</a:t>
+            </a:r>
+            <a:r>
+              <a:rPr lang="en-US"/>
+              <a:t>. We concentrate on California wildfire dataset in our analysis.</a:t>
+            </a:r>
+            <a:endParaRPr lang="en-US"/>
+          </a:p>
+          <a:p>
+            <a:r>
+              <a:rPr lang="en-US"/>
+              <a:t>California Department of Forestry and Fire Protection </a:t>
+            </a:r>
+            <a:br>
+              <a:rPr lang="en-US"/>
+            </a:br>
+            <a:r>
+              <a:rPr lang="en-US"/>
+              <a:t>Wildfire Activity Statistics (Year 2016 - Year 2019)</a:t>
+            </a:r>
+            <a:endParaRPr lang="en-US"/>
+          </a:p>
+          <a:p>
+            <a:r>
+              <a:rPr lang="en-US"/>
+              <a:t>https://www2.purpleair.com</a:t>
+            </a:r>
+            <a:br>
+              <a:rPr lang="en-US"/>
+            </a:br>
+            <a:r>
+              <a:rPr lang="en-US"/>
+              <a:t>PurpleAir, which is a real time air quality monitor, providing real time measurement of air quality on a public map.</a:t>
+            </a:r>
+            <a:endParaRPr lang="en-US"/>
+          </a:p>
+          <a:p>
+            <a:r>
+              <a:rPr lang="en-US"/>
+              <a:t>Google Maps Platform - API</a:t>
+            </a:r>
+            <a:endParaRPr lang="en-US"/>
+          </a:p>
+        </p:txBody>
+      </p:sp>
+    </p:spTree>
+  </p:cSld>
+  <p:clrMapOvr>
+    <a:masterClrMapping/>
+  </p:clrMapOvr>
+  <mc:AlternateContent xmlns:mc="http://schemas.openxmlformats.org/markup-compatibility/2006">
+    <mc:Choice xmlns:p14="http://schemas.microsoft.com/office/powerpoint/2010/main" Requires="p14">
+      <p:transition p14:dur="500">
+        <p:fade/>
+      </p:transition>
+    </mc:Choice>
+    <mc:Fallback>
+      <p:transition>
+        <p:fade/>
+      </p:transition>
+    </mc:Fallback>
+  </mc:AlternateContent>
+</p:sld>
+</file>
+
+<file path=ppt/slides/slide4.xml><?xml version="1.0" encoding="utf-8"?>
+<p:sld xmlns:a="http://schemas.openxmlformats.org/drawingml/2006/main" xmlns:r="http://schemas.openxmlformats.org/officeDocument/2006/relationships" xmlns:p="http://schemas.openxmlformats.org/presentationml/2006/main">
+  <p:cSld>
+    <p:spTree>
+      <p:nvGrpSpPr>
+        <p:cNvPr id="1" name=""/>
+        <p:cNvGrpSpPr/>
+        <p:nvPr/>
+      </p:nvGrpSpPr>
+      <p:grpSpPr/>
+      <p:sp>
+        <p:nvSpPr>
+          <p:cNvPr id="2" name="Title 1"/>
+          <p:cNvSpPr>
+            <a:spLocks noGrp="1"/>
+          </p:cNvSpPr>
+          <p:nvPr>
+            <p:ph type="title"/>
+          </p:nvPr>
+        </p:nvSpPr>
+        <p:spPr/>
+        <p:txBody>
+          <a:bodyPr/>
+          <a:p>
+            <a:pPr algn="l"/>
+            <a:r>
+              <a:rPr lang="en-US"/>
+              <a:t>Wind</a:t>
+            </a:r>
+            <a:endParaRPr lang="en-US"/>
+          </a:p>
+        </p:txBody>
+      </p:sp>
+      <p:sp>
+        <p:nvSpPr>
+          <p:cNvPr id="11" name="Text Box 10"/>
+          <p:cNvSpPr txBox="1"/>
+          <p:nvPr/>
+        </p:nvSpPr>
+        <p:spPr>
+          <a:xfrm>
+            <a:off x="8724265" y="6467475"/>
+            <a:ext cx="3172460" cy="337185"/>
+          </a:xfrm>
+          <a:prstGeom prst="rect">
+            <a:avLst/>
+          </a:prstGeom>
+          <a:noFill/>
+        </p:spPr>
+        <p:txBody>
+          <a:bodyPr wrap="square" rtlCol="0">
+            <a:spAutoFit/>
           </a:bodyPr>
           <a:p>
             <a:r>
-              <a:rPr lang="en-US" sz="1800"/>
-              <a:t>The majority of large scale wildfires happened from 1995 to 2015 were close to Los Angeles and San Diego according to the fire size heatmap.</a:t>
-            </a:r>
-            <a:endParaRPr lang="en-US" sz="1800"/>
+              <a:rPr lang="en-US" sz="1600"/>
+              <a:t>* r-squared are insignificant</a:t>
+            </a:r>
+            <a:endParaRPr lang="en-US" sz="1600"/>
           </a:p>
         </p:txBody>
       </p:sp>
       <p:pic>
         <p:nvPicPr>
-          <p:cNvPr id="4" name="Picture 3" descr="fire_size_heatmap"/>
+          <p:cNvPr id="5" name="Picture 4" descr="w30"/>
           <p:cNvPicPr>
             <a:picLocks noChangeAspect="1"/>
           </p:cNvPicPr>
@@ -5596,8 +4627,80 @@
         </p:blipFill>
         <p:spPr>
           <a:xfrm>
-            <a:off x="2546350" y="1544320"/>
-            <a:ext cx="5631815" cy="4594225"/>
+            <a:off x="2620010" y="524510"/>
+            <a:ext cx="3988435" cy="2850515"/>
+          </a:xfrm>
+          <a:prstGeom prst="rect">
+            <a:avLst/>
+          </a:prstGeom>
+        </p:spPr>
+      </p:pic>
+      <p:pic>
+        <p:nvPicPr>
+          <p:cNvPr id="10" name="Picture 9" descr="w15"/>
+          <p:cNvPicPr>
+            <a:picLocks noChangeAspect="1"/>
+          </p:cNvPicPr>
+          <p:nvPr/>
+        </p:nvPicPr>
+        <p:blipFill>
+          <a:blip r:embed="rId2"/>
+          <a:stretch>
+            <a:fillRect/>
+          </a:stretch>
+        </p:blipFill>
+        <p:spPr>
+          <a:xfrm>
+            <a:off x="7409815" y="524510"/>
+            <a:ext cx="3987800" cy="2850515"/>
+          </a:xfrm>
+          <a:prstGeom prst="rect">
+            <a:avLst/>
+          </a:prstGeom>
+        </p:spPr>
+      </p:pic>
+      <p:pic>
+        <p:nvPicPr>
+          <p:cNvPr id="12" name="Picture 11" descr="w7"/>
+          <p:cNvPicPr>
+            <a:picLocks noChangeAspect="1"/>
+          </p:cNvPicPr>
+          <p:nvPr/>
+        </p:nvPicPr>
+        <p:blipFill>
+          <a:blip r:embed="rId3"/>
+          <a:stretch>
+            <a:fillRect/>
+          </a:stretch>
+        </p:blipFill>
+        <p:spPr>
+          <a:xfrm>
+            <a:off x="2611120" y="3375025"/>
+            <a:ext cx="3997960" cy="2857500"/>
+          </a:xfrm>
+          <a:prstGeom prst="rect">
+            <a:avLst/>
+          </a:prstGeom>
+        </p:spPr>
+      </p:pic>
+      <p:pic>
+        <p:nvPicPr>
+          <p:cNvPr id="13" name="Picture 12" descr="wc"/>
+          <p:cNvPicPr>
+            <a:picLocks noChangeAspect="1"/>
+          </p:cNvPicPr>
+          <p:nvPr/>
+        </p:nvPicPr>
+        <p:blipFill>
+          <a:blip r:embed="rId4"/>
+          <a:stretch>
+            <a:fillRect/>
+          </a:stretch>
+        </p:blipFill>
+        <p:spPr>
+          <a:xfrm>
+            <a:off x="7409815" y="3389630"/>
+            <a:ext cx="3987800" cy="2842895"/>
           </a:xfrm>
           <a:prstGeom prst="rect">
             <a:avLst/>
@@ -5624,7 +4727,698 @@
 </p:sld>
 </file>
 
-<file path=ppt/slides/slide21.xml><?xml version="1.0" encoding="utf-8"?>
+<file path=ppt/slides/slide5.xml><?xml version="1.0" encoding="utf-8"?>
+<p:sld xmlns:a="http://schemas.openxmlformats.org/drawingml/2006/main" xmlns:r="http://schemas.openxmlformats.org/officeDocument/2006/relationships" xmlns:p="http://schemas.openxmlformats.org/presentationml/2006/main">
+  <p:cSld>
+    <p:spTree>
+      <p:nvGrpSpPr>
+        <p:cNvPr id="1" name=""/>
+        <p:cNvGrpSpPr/>
+        <p:nvPr/>
+      </p:nvGrpSpPr>
+      <p:grpSpPr/>
+      <p:sp>
+        <p:nvSpPr>
+          <p:cNvPr id="2" name="Title 1"/>
+          <p:cNvSpPr>
+            <a:spLocks noGrp="1"/>
+          </p:cNvSpPr>
+          <p:nvPr>
+            <p:ph type="title"/>
+          </p:nvPr>
+        </p:nvSpPr>
+        <p:spPr>
+          <a:xfrm>
+            <a:off x="269875" y="283845"/>
+            <a:ext cx="10515600" cy="1325563"/>
+          </a:xfrm>
+        </p:spPr>
+        <p:txBody>
+          <a:bodyPr/>
+          <a:p>
+            <a:r>
+              <a:rPr lang="en-US" dirty="0">
+                <a:sym typeface="+mn-ea"/>
+              </a:rPr>
+              <a:t>Temperature</a:t>
+            </a:r>
+            <a:endParaRPr lang="en-US"/>
+          </a:p>
+        </p:txBody>
+      </p:sp>
+      <p:sp>
+        <p:nvSpPr>
+          <p:cNvPr id="11" name="Text Box 10"/>
+          <p:cNvSpPr txBox="1"/>
+          <p:nvPr/>
+        </p:nvSpPr>
+        <p:spPr>
+          <a:xfrm>
+            <a:off x="8724265" y="6467475"/>
+            <a:ext cx="3172460" cy="337185"/>
+          </a:xfrm>
+          <a:prstGeom prst="rect">
+            <a:avLst/>
+          </a:prstGeom>
+          <a:noFill/>
+        </p:spPr>
+        <p:txBody>
+          <a:bodyPr wrap="square" rtlCol="0">
+            <a:spAutoFit/>
+          </a:bodyPr>
+          <a:p>
+            <a:r>
+              <a:rPr lang="en-US" sz="1600"/>
+              <a:t>* r-squared are insignificant</a:t>
+            </a:r>
+            <a:endParaRPr lang="en-US" sz="1600"/>
+          </a:p>
+        </p:txBody>
+      </p:sp>
+      <p:pic>
+        <p:nvPicPr>
+          <p:cNvPr id="3" name="Picture 2" descr="t30"/>
+          <p:cNvPicPr>
+            <a:picLocks noChangeAspect="1"/>
+          </p:cNvPicPr>
+          <p:nvPr/>
+        </p:nvPicPr>
+        <p:blipFill>
+          <a:blip r:embed="rId1"/>
+          <a:stretch>
+            <a:fillRect/>
+          </a:stretch>
+        </p:blipFill>
+        <p:spPr>
+          <a:xfrm>
+            <a:off x="3188970" y="92075"/>
+            <a:ext cx="4218940" cy="2992120"/>
+          </a:xfrm>
+          <a:prstGeom prst="rect">
+            <a:avLst/>
+          </a:prstGeom>
+        </p:spPr>
+      </p:pic>
+      <p:pic>
+        <p:nvPicPr>
+          <p:cNvPr id="8" name="Picture 7" descr="t15"/>
+          <p:cNvPicPr>
+            <a:picLocks noChangeAspect="1"/>
+          </p:cNvPicPr>
+          <p:nvPr/>
+        </p:nvPicPr>
+        <p:blipFill>
+          <a:blip r:embed="rId2"/>
+          <a:stretch>
+            <a:fillRect/>
+          </a:stretch>
+        </p:blipFill>
+        <p:spPr>
+          <a:xfrm>
+            <a:off x="7566660" y="92075"/>
+            <a:ext cx="4185920" cy="2992120"/>
+          </a:xfrm>
+          <a:prstGeom prst="rect">
+            <a:avLst/>
+          </a:prstGeom>
+        </p:spPr>
+      </p:pic>
+      <p:pic>
+        <p:nvPicPr>
+          <p:cNvPr id="9" name="Picture 8" descr="t7"/>
+          <p:cNvPicPr>
+            <a:picLocks noChangeAspect="1"/>
+          </p:cNvPicPr>
+          <p:nvPr/>
+        </p:nvPicPr>
+        <p:blipFill>
+          <a:blip r:embed="rId3"/>
+          <a:stretch>
+            <a:fillRect/>
+          </a:stretch>
+        </p:blipFill>
+        <p:spPr>
+          <a:xfrm>
+            <a:off x="3195320" y="3084195"/>
+            <a:ext cx="4212590" cy="3010535"/>
+          </a:xfrm>
+          <a:prstGeom prst="rect">
+            <a:avLst/>
+          </a:prstGeom>
+        </p:spPr>
+      </p:pic>
+      <p:pic>
+        <p:nvPicPr>
+          <p:cNvPr id="10" name="Picture 9" descr="tc"/>
+          <p:cNvPicPr>
+            <a:picLocks noChangeAspect="1"/>
+          </p:cNvPicPr>
+          <p:nvPr/>
+        </p:nvPicPr>
+        <p:blipFill>
+          <a:blip r:embed="rId4"/>
+          <a:stretch>
+            <a:fillRect/>
+          </a:stretch>
+        </p:blipFill>
+        <p:spPr>
+          <a:xfrm>
+            <a:off x="7493000" y="3084195"/>
+            <a:ext cx="4210685" cy="3009900"/>
+          </a:xfrm>
+          <a:prstGeom prst="rect">
+            <a:avLst/>
+          </a:prstGeom>
+        </p:spPr>
+      </p:pic>
+    </p:spTree>
+  </p:cSld>
+  <p:clrMapOvr>
+    <a:masterClrMapping/>
+  </p:clrMapOvr>
+  <mc:AlternateContent xmlns:mc="http://schemas.openxmlformats.org/markup-compatibility/2006">
+    <mc:Choice xmlns:p14="http://schemas.microsoft.com/office/powerpoint/2010/main" Requires="p14">
+      <p:transition p14:dur="500">
+        <p:fade/>
+      </p:transition>
+    </mc:Choice>
+    <mc:Fallback>
+      <p:transition>
+        <p:fade/>
+      </p:transition>
+    </mc:Fallback>
+  </mc:AlternateContent>
+</p:sld>
+</file>
+
+<file path=ppt/slides/slide6.xml><?xml version="1.0" encoding="utf-8"?>
+<p:sld xmlns:a="http://schemas.openxmlformats.org/drawingml/2006/main" xmlns:r="http://schemas.openxmlformats.org/officeDocument/2006/relationships" xmlns:p="http://schemas.openxmlformats.org/presentationml/2006/main">
+  <p:cSld>
+    <p:spTree>
+      <p:nvGrpSpPr>
+        <p:cNvPr id="1" name=""/>
+        <p:cNvGrpSpPr/>
+        <p:nvPr/>
+      </p:nvGrpSpPr>
+      <p:grpSpPr/>
+      <p:sp>
+        <p:nvSpPr>
+          <p:cNvPr id="2" name="Title 1"/>
+          <p:cNvSpPr>
+            <a:spLocks noGrp="1"/>
+          </p:cNvSpPr>
+          <p:nvPr>
+            <p:ph type="title"/>
+          </p:nvPr>
+        </p:nvSpPr>
+        <p:spPr>
+          <a:xfrm>
+            <a:off x="594995" y="365125"/>
+            <a:ext cx="10515600" cy="1325563"/>
+          </a:xfrm>
+        </p:spPr>
+        <p:txBody>
+          <a:bodyPr/>
+          <a:p>
+            <a:r>
+              <a:rPr lang="en-US"/>
+              <a:t>Humidity</a:t>
+            </a:r>
+            <a:endParaRPr lang="en-US"/>
+          </a:p>
+        </p:txBody>
+      </p:sp>
+      <p:sp>
+        <p:nvSpPr>
+          <p:cNvPr id="11" name="Text Box 10"/>
+          <p:cNvSpPr txBox="1"/>
+          <p:nvPr/>
+        </p:nvSpPr>
+        <p:spPr>
+          <a:xfrm>
+            <a:off x="8706485" y="6318885"/>
+            <a:ext cx="3172460" cy="337185"/>
+          </a:xfrm>
+          <a:prstGeom prst="rect">
+            <a:avLst/>
+          </a:prstGeom>
+          <a:noFill/>
+        </p:spPr>
+        <p:txBody>
+          <a:bodyPr wrap="square" rtlCol="0">
+            <a:spAutoFit/>
+          </a:bodyPr>
+          <a:p>
+            <a:r>
+              <a:rPr lang="en-US" sz="1600"/>
+              <a:t>* r-squared are insignificant</a:t>
+            </a:r>
+            <a:endParaRPr lang="en-US" sz="1600"/>
+          </a:p>
+        </p:txBody>
+      </p:sp>
+      <p:pic>
+        <p:nvPicPr>
+          <p:cNvPr id="3" name="Picture 2" descr="h30"/>
+          <p:cNvPicPr>
+            <a:picLocks noChangeAspect="1"/>
+          </p:cNvPicPr>
+          <p:nvPr/>
+        </p:nvPicPr>
+        <p:blipFill>
+          <a:blip r:embed="rId1"/>
+          <a:stretch>
+            <a:fillRect/>
+          </a:stretch>
+        </p:blipFill>
+        <p:spPr>
+          <a:xfrm>
+            <a:off x="3084195" y="144145"/>
+            <a:ext cx="4192905" cy="2996565"/>
+          </a:xfrm>
+          <a:prstGeom prst="rect">
+            <a:avLst/>
+          </a:prstGeom>
+        </p:spPr>
+      </p:pic>
+      <p:pic>
+        <p:nvPicPr>
+          <p:cNvPr id="8" name="Picture 7" descr="h15"/>
+          <p:cNvPicPr>
+            <a:picLocks noChangeAspect="1"/>
+          </p:cNvPicPr>
+          <p:nvPr/>
+        </p:nvPicPr>
+        <p:blipFill>
+          <a:blip r:embed="rId2"/>
+          <a:stretch>
+            <a:fillRect/>
+          </a:stretch>
+        </p:blipFill>
+        <p:spPr>
+          <a:xfrm>
+            <a:off x="7413625" y="143510"/>
+            <a:ext cx="4192905" cy="2996565"/>
+          </a:xfrm>
+          <a:prstGeom prst="rect">
+            <a:avLst/>
+          </a:prstGeom>
+        </p:spPr>
+      </p:pic>
+      <p:pic>
+        <p:nvPicPr>
+          <p:cNvPr id="9" name="Picture 8" descr="h7"/>
+          <p:cNvPicPr>
+            <a:picLocks noChangeAspect="1"/>
+          </p:cNvPicPr>
+          <p:nvPr/>
+        </p:nvPicPr>
+        <p:blipFill>
+          <a:blip r:embed="rId3"/>
+          <a:stretch>
+            <a:fillRect/>
+          </a:stretch>
+        </p:blipFill>
+        <p:spPr>
+          <a:xfrm>
+            <a:off x="3084830" y="3140075"/>
+            <a:ext cx="4192270" cy="2996565"/>
+          </a:xfrm>
+          <a:prstGeom prst="rect">
+            <a:avLst/>
+          </a:prstGeom>
+        </p:spPr>
+      </p:pic>
+      <p:pic>
+        <p:nvPicPr>
+          <p:cNvPr id="10" name="Picture 9" descr="hc"/>
+          <p:cNvPicPr>
+            <a:picLocks noChangeAspect="1"/>
+          </p:cNvPicPr>
+          <p:nvPr/>
+        </p:nvPicPr>
+        <p:blipFill>
+          <a:blip r:embed="rId4"/>
+          <a:stretch>
+            <a:fillRect/>
+          </a:stretch>
+        </p:blipFill>
+        <p:spPr>
+          <a:xfrm>
+            <a:off x="7413625" y="3140075"/>
+            <a:ext cx="4191635" cy="2995930"/>
+          </a:xfrm>
+          <a:prstGeom prst="rect">
+            <a:avLst/>
+          </a:prstGeom>
+        </p:spPr>
+      </p:pic>
+    </p:spTree>
+  </p:cSld>
+  <p:clrMapOvr>
+    <a:masterClrMapping/>
+  </p:clrMapOvr>
+  <mc:AlternateContent xmlns:mc="http://schemas.openxmlformats.org/markup-compatibility/2006">
+    <mc:Choice xmlns:p14="http://schemas.microsoft.com/office/powerpoint/2010/main" Requires="p14">
+      <p:transition p14:dur="500">
+        <p:fade/>
+      </p:transition>
+    </mc:Choice>
+    <mc:Fallback>
+      <p:transition>
+        <p:fade/>
+      </p:transition>
+    </mc:Fallback>
+  </mc:AlternateContent>
+</p:sld>
+</file>
+
+<file path=ppt/slides/slide7.xml><?xml version="1.0" encoding="utf-8"?>
+<p:sld xmlns:a="http://schemas.openxmlformats.org/drawingml/2006/main" xmlns:r="http://schemas.openxmlformats.org/officeDocument/2006/relationships" xmlns:p="http://schemas.openxmlformats.org/presentationml/2006/main">
+  <p:cSld>
+    <p:spTree>
+      <p:nvGrpSpPr>
+        <p:cNvPr id="1" name=""/>
+        <p:cNvGrpSpPr/>
+        <p:nvPr/>
+      </p:nvGrpSpPr>
+      <p:grpSpPr/>
+      <p:sp>
+        <p:nvSpPr>
+          <p:cNvPr id="2" name="Title 1"/>
+          <p:cNvSpPr>
+            <a:spLocks noGrp="1"/>
+          </p:cNvSpPr>
+          <p:nvPr>
+            <p:ph type="title"/>
+          </p:nvPr>
+        </p:nvSpPr>
+        <p:spPr>
+          <a:xfrm>
+            <a:off x="208915" y="365125"/>
+            <a:ext cx="10515600" cy="1325563"/>
+          </a:xfrm>
+        </p:spPr>
+        <p:txBody>
+          <a:bodyPr>
+            <a:normAutofit/>
+          </a:bodyPr>
+          <a:p>
+            <a:r>
+              <a:rPr lang="en-US" sz="4000" dirty="0">
+                <a:sym typeface="+mn-ea"/>
+              </a:rPr>
+              <a:t>Precipitation</a:t>
+            </a:r>
+            <a:endParaRPr lang="en-US" sz="4000"/>
+          </a:p>
+        </p:txBody>
+      </p:sp>
+      <p:sp>
+        <p:nvSpPr>
+          <p:cNvPr id="11" name="Text Box 10"/>
+          <p:cNvSpPr txBox="1"/>
+          <p:nvPr/>
+        </p:nvSpPr>
+        <p:spPr>
+          <a:xfrm>
+            <a:off x="8705850" y="6430645"/>
+            <a:ext cx="3172460" cy="337185"/>
+          </a:xfrm>
+          <a:prstGeom prst="rect">
+            <a:avLst/>
+          </a:prstGeom>
+          <a:noFill/>
+        </p:spPr>
+        <p:txBody>
+          <a:bodyPr wrap="square" rtlCol="0">
+            <a:spAutoFit/>
+          </a:bodyPr>
+          <a:p>
+            <a:r>
+              <a:rPr lang="en-US" sz="1600"/>
+              <a:t>* r-squared are insignificant</a:t>
+            </a:r>
+            <a:endParaRPr lang="en-US" sz="1600"/>
+          </a:p>
+        </p:txBody>
+      </p:sp>
+      <p:pic>
+        <p:nvPicPr>
+          <p:cNvPr id="3" name="Picture 2" descr="p30"/>
+          <p:cNvPicPr>
+            <a:picLocks noChangeAspect="1"/>
+          </p:cNvPicPr>
+          <p:nvPr/>
+        </p:nvPicPr>
+        <p:blipFill>
+          <a:blip r:embed="rId1"/>
+          <a:stretch>
+            <a:fillRect/>
+          </a:stretch>
+        </p:blipFill>
+        <p:spPr>
+          <a:xfrm>
+            <a:off x="3044190" y="183515"/>
+            <a:ext cx="4147185" cy="2964180"/>
+          </a:xfrm>
+          <a:prstGeom prst="rect">
+            <a:avLst/>
+          </a:prstGeom>
+        </p:spPr>
+      </p:pic>
+      <p:pic>
+        <p:nvPicPr>
+          <p:cNvPr id="8" name="Picture 7" descr="p15"/>
+          <p:cNvPicPr>
+            <a:picLocks noChangeAspect="1"/>
+          </p:cNvPicPr>
+          <p:nvPr/>
+        </p:nvPicPr>
+        <p:blipFill>
+          <a:blip r:embed="rId2"/>
+          <a:stretch>
+            <a:fillRect/>
+          </a:stretch>
+        </p:blipFill>
+        <p:spPr>
+          <a:xfrm>
+            <a:off x="7445375" y="183515"/>
+            <a:ext cx="4147820" cy="2964180"/>
+          </a:xfrm>
+          <a:prstGeom prst="rect">
+            <a:avLst/>
+          </a:prstGeom>
+        </p:spPr>
+      </p:pic>
+      <p:pic>
+        <p:nvPicPr>
+          <p:cNvPr id="9" name="Picture 8" descr="p7"/>
+          <p:cNvPicPr>
+            <a:picLocks noChangeAspect="1"/>
+          </p:cNvPicPr>
+          <p:nvPr/>
+        </p:nvPicPr>
+        <p:blipFill>
+          <a:blip r:embed="rId3"/>
+          <a:stretch>
+            <a:fillRect/>
+          </a:stretch>
+        </p:blipFill>
+        <p:spPr>
+          <a:xfrm>
+            <a:off x="3028315" y="3244850"/>
+            <a:ext cx="4149725" cy="2966085"/>
+          </a:xfrm>
+          <a:prstGeom prst="rect">
+            <a:avLst/>
+          </a:prstGeom>
+        </p:spPr>
+      </p:pic>
+      <p:pic>
+        <p:nvPicPr>
+          <p:cNvPr id="10" name="Picture 9" descr="pc"/>
+          <p:cNvPicPr>
+            <a:picLocks noChangeAspect="1"/>
+          </p:cNvPicPr>
+          <p:nvPr/>
+        </p:nvPicPr>
+        <p:blipFill>
+          <a:blip r:embed="rId4"/>
+          <a:stretch>
+            <a:fillRect/>
+          </a:stretch>
+        </p:blipFill>
+        <p:spPr>
+          <a:xfrm>
+            <a:off x="7444105" y="3244850"/>
+            <a:ext cx="4149090" cy="2965450"/>
+          </a:xfrm>
+          <a:prstGeom prst="rect">
+            <a:avLst/>
+          </a:prstGeom>
+        </p:spPr>
+      </p:pic>
+    </p:spTree>
+  </p:cSld>
+  <p:clrMapOvr>
+    <a:masterClrMapping/>
+  </p:clrMapOvr>
+  <mc:AlternateContent xmlns:mc="http://schemas.openxmlformats.org/markup-compatibility/2006">
+    <mc:Choice xmlns:p14="http://schemas.microsoft.com/office/powerpoint/2010/main" Requires="p14">
+      <p:transition p14:dur="500">
+        <p:fade/>
+      </p:transition>
+    </mc:Choice>
+    <mc:Fallback>
+      <p:transition>
+        <p:fade/>
+      </p:transition>
+    </mc:Fallback>
+  </mc:AlternateContent>
+</p:sld>
+</file>
+
+<file path=ppt/slides/slide8.xml><?xml version="1.0" encoding="utf-8"?>
+<p:sld xmlns:a="http://schemas.openxmlformats.org/drawingml/2006/main" xmlns:r="http://schemas.openxmlformats.org/officeDocument/2006/relationships" xmlns:p="http://schemas.openxmlformats.org/presentationml/2006/main">
+  <p:cSld>
+    <p:spTree>
+      <p:nvGrpSpPr>
+        <p:cNvPr id="1" name=""/>
+        <p:cNvGrpSpPr/>
+        <p:nvPr/>
+      </p:nvGrpSpPr>
+      <p:grpSpPr/>
+      <p:sp>
+        <p:nvSpPr>
+          <p:cNvPr id="2" name="Title 1"/>
+          <p:cNvSpPr>
+            <a:spLocks noGrp="1"/>
+          </p:cNvSpPr>
+          <p:nvPr>
+            <p:ph type="title"/>
+          </p:nvPr>
+        </p:nvSpPr>
+        <p:spPr>
+          <a:xfrm>
+            <a:off x="1172845" y="354965"/>
+            <a:ext cx="10515600" cy="1325563"/>
+          </a:xfrm>
+        </p:spPr>
+        <p:txBody>
+          <a:bodyPr/>
+          <a:p>
+            <a:pPr algn="ctr"/>
+            <a:r>
+              <a:rPr lang="en-US"/>
+              <a:t>Wildfire Maps</a:t>
+            </a:r>
+            <a:endParaRPr lang="en-US"/>
+          </a:p>
+        </p:txBody>
+      </p:sp>
+      <p:sp>
+        <p:nvSpPr>
+          <p:cNvPr id="3" name="Content Placeholder 2"/>
+          <p:cNvSpPr>
+            <a:spLocks noGrp="1"/>
+          </p:cNvSpPr>
+          <p:nvPr>
+            <p:ph idx="1"/>
+          </p:nvPr>
+        </p:nvSpPr>
+        <p:spPr>
+          <a:xfrm>
+            <a:off x="1036320" y="2649855"/>
+            <a:ext cx="10515600" cy="2282825"/>
+          </a:xfrm>
+        </p:spPr>
+        <p:txBody>
+          <a:bodyPr>
+            <a:normAutofit fontScale="70000"/>
+          </a:bodyPr>
+          <a:p>
+            <a:pPr marL="457200" lvl="1" indent="0" algn="ctr">
+              <a:buNone/>
+            </a:pPr>
+            <a:r>
+              <a:rPr lang="en-US" sz="4000"/>
+              <a:t>Questions:</a:t>
+            </a:r>
+            <a:br>
+              <a:rPr lang="en-US" sz="4000"/>
+            </a:br>
+            <a:endParaRPr lang="en-US" sz="4000"/>
+          </a:p>
+          <a:p>
+            <a:pPr lvl="1" algn="l"/>
+            <a:r>
+              <a:rPr lang="en-US" sz="4000"/>
+              <a:t>Where were the wildfires located </a:t>
+            </a:r>
+            <a:r>
+              <a:rPr lang="en-US" sz="4000">
+                <a:sym typeface="+mn-ea"/>
+              </a:rPr>
+              <a:t>in California</a:t>
+            </a:r>
+            <a:r>
+              <a:rPr lang="en-US" sz="4000"/>
+              <a:t>?</a:t>
+            </a:r>
+            <a:endParaRPr lang="en-US" sz="4000"/>
+          </a:p>
+          <a:p>
+            <a:pPr lvl="1" algn="l"/>
+            <a:r>
+              <a:rPr lang="en-US" sz="4000">
+                <a:sym typeface="+mn-ea"/>
+              </a:rPr>
+              <a:t>Where were the large scale wildfires located in California?</a:t>
+            </a:r>
+            <a:endParaRPr lang="en-US" sz="4000">
+              <a:sym typeface="+mn-ea"/>
+            </a:endParaRPr>
+          </a:p>
+          <a:p>
+            <a:pPr marL="457200" lvl="1" indent="0" algn="r">
+              <a:buNone/>
+            </a:pPr>
+            <a:r>
+              <a:rPr lang="en-US" sz="2800"/>
+              <a:t>(from year 1995 through year 2015)</a:t>
+            </a:r>
+            <a:endParaRPr lang="en-US" sz="2800"/>
+          </a:p>
+          <a:p>
+            <a:pPr marL="457200" lvl="1" indent="0">
+              <a:buNone/>
+            </a:pPr>
+            <a:endParaRPr lang="en-US" sz="2800"/>
+          </a:p>
+        </p:txBody>
+      </p:sp>
+    </p:spTree>
+  </p:cSld>
+  <p:clrMapOvr>
+    <a:masterClrMapping/>
+  </p:clrMapOvr>
+  <mc:AlternateContent xmlns:mc="http://schemas.openxmlformats.org/markup-compatibility/2006">
+    <mc:Choice xmlns:p14="http://schemas.microsoft.com/office/powerpoint/2010/main" Requires="p14">
+      <p:transition p14:dur="500">
+        <p:fade/>
+      </p:transition>
+    </mc:Choice>
+    <mc:Fallback>
+      <p:transition>
+        <p:fade/>
+      </p:transition>
+    </mc:Fallback>
+  </mc:AlternateContent>
+</p:sld>
+</file>
+
+<file path=ppt/slides/slide9.xml><?xml version="1.0" encoding="utf-8"?>
 <p:sld xmlns:a="http://schemas.openxmlformats.org/drawingml/2006/main" xmlns:r="http://schemas.openxmlformats.org/officeDocument/2006/relationships" xmlns:p="http://schemas.openxmlformats.org/presentationml/2006/main">
   <p:cSld>
     <p:spTree>
@@ -5875,1370 +5669,6 @@
               <a:t>Los Angeles and San Diego had slightly more fires happened during 1995 to 2015 according to the symbol map.</a:t>
             </a:r>
             <a:endParaRPr lang="en-US" sz="1800"/>
-          </a:p>
-        </p:txBody>
-      </p:sp>
-    </p:spTree>
-  </p:cSld>
-  <p:clrMapOvr>
-    <a:masterClrMapping/>
-  </p:clrMapOvr>
-  <mc:AlternateContent xmlns:mc="http://schemas.openxmlformats.org/markup-compatibility/2006">
-    <mc:Choice xmlns:p14="http://schemas.microsoft.com/office/powerpoint/2010/main" Requires="p14">
-      <p:transition p14:dur="500">
-        <p:fade/>
-      </p:transition>
-    </mc:Choice>
-    <mc:Fallback>
-      <p:transition>
-        <p:fade/>
-      </p:transition>
-    </mc:Fallback>
-  </mc:AlternateContent>
-</p:sld>
-</file>
-
-<file path=ppt/slides/slide22.xml><?xml version="1.0" encoding="utf-8"?>
-<p:sld xmlns:a="http://schemas.openxmlformats.org/drawingml/2006/main" xmlns:r="http://schemas.openxmlformats.org/officeDocument/2006/relationships" xmlns:p="http://schemas.openxmlformats.org/presentationml/2006/main">
-  <p:cSld>
-    <p:spTree>
-      <p:nvGrpSpPr>
-        <p:cNvPr id="1" name=""/>
-        <p:cNvGrpSpPr/>
-        <p:nvPr/>
-      </p:nvGrpSpPr>
-      <p:grpSpPr/>
-      <p:sp>
-        <p:nvSpPr>
-          <p:cNvPr id="2" name="Title 1"/>
-          <p:cNvSpPr>
-            <a:spLocks noGrp="1"/>
-          </p:cNvSpPr>
-          <p:nvPr>
-            <p:ph type="title"/>
-          </p:nvPr>
-        </p:nvSpPr>
-        <p:spPr/>
-        <p:txBody>
-          <a:bodyPr/>
-          <a:p>
-            <a:r>
-              <a:rPr lang="en-US"/>
-              <a:t>Conclusion</a:t>
-            </a:r>
-            <a:endParaRPr lang="en-US"/>
-          </a:p>
-        </p:txBody>
-      </p:sp>
-      <p:sp>
-        <p:nvSpPr>
-          <p:cNvPr id="3" name="Content Placeholder 2"/>
-          <p:cNvSpPr>
-            <a:spLocks noGrp="1"/>
-          </p:cNvSpPr>
-          <p:nvPr>
-            <p:ph idx="1"/>
-          </p:nvPr>
-        </p:nvSpPr>
-        <p:spPr/>
-        <p:txBody>
-          <a:bodyPr/>
-          <a:p>
-            <a:r>
-              <a:rPr lang="en-US"/>
-              <a:t>From our analysis, the weather factors (Wind speed/Humidity/Temperature/Precipitation) have some impacts on wild fire size/duration, but the impacts are not significant</a:t>
-            </a:r>
-            <a:endParaRPr lang="en-US"/>
-          </a:p>
-          <a:p>
-            <a:r>
-              <a:rPr lang="en-US"/>
-              <a:t>Electric power,  Arson,  and Vehicular use are the top reasons for causing wildfires</a:t>
-            </a:r>
-            <a:endParaRPr lang="en-US"/>
-          </a:p>
-          <a:p>
-            <a:r>
-              <a:rPr lang="en-US"/>
-              <a:t>Wildfire increases air polution in surrounding areas</a:t>
-            </a:r>
-            <a:endParaRPr lang="en-US"/>
-          </a:p>
-        </p:txBody>
-      </p:sp>
-    </p:spTree>
-  </p:cSld>
-  <p:clrMapOvr>
-    <a:masterClrMapping/>
-  </p:clrMapOvr>
-  <mc:AlternateContent xmlns:mc="http://schemas.openxmlformats.org/markup-compatibility/2006">
-    <mc:Choice xmlns:p14="http://schemas.microsoft.com/office/powerpoint/2010/main" Requires="p14">
-      <p:transition p14:dur="500">
-        <p:fade/>
-      </p:transition>
-    </mc:Choice>
-    <mc:Fallback>
-      <p:transition>
-        <p:fade/>
-      </p:transition>
-    </mc:Fallback>
-  </mc:AlternateContent>
-</p:sld>
-</file>
-
-<file path=ppt/slides/slide23.xml><?xml version="1.0" encoding="utf-8"?>
-<p:sld xmlns:a="http://schemas.openxmlformats.org/drawingml/2006/main" xmlns:r="http://schemas.openxmlformats.org/officeDocument/2006/relationships" xmlns:p="http://schemas.openxmlformats.org/presentationml/2006/main">
-  <p:cSld>
-    <p:spTree>
-      <p:nvGrpSpPr>
-        <p:cNvPr id="1" name=""/>
-        <p:cNvGrpSpPr/>
-        <p:nvPr/>
-      </p:nvGrpSpPr>
-      <p:grpSpPr/>
-      <p:sp>
-        <p:nvSpPr>
-          <p:cNvPr id="2" name="Title 1"/>
-          <p:cNvSpPr>
-            <a:spLocks noGrp="1"/>
-          </p:cNvSpPr>
-          <p:nvPr>
-            <p:ph type="title"/>
-          </p:nvPr>
-        </p:nvSpPr>
-        <p:spPr/>
-        <p:txBody>
-          <a:bodyPr/>
-          <a:p>
-            <a:r>
-              <a:rPr lang="en-US"/>
-              <a:t>Limitations and Discussions</a:t>
-            </a:r>
-            <a:endParaRPr lang="en-US"/>
-          </a:p>
-        </p:txBody>
-      </p:sp>
-      <p:sp>
-        <p:nvSpPr>
-          <p:cNvPr id="3" name="Content Placeholder 2"/>
-          <p:cNvSpPr>
-            <a:spLocks noGrp="1"/>
-          </p:cNvSpPr>
-          <p:nvPr>
-            <p:ph idx="1"/>
-          </p:nvPr>
-        </p:nvSpPr>
-        <p:spPr/>
-        <p:txBody>
-          <a:bodyPr/>
-          <a:p>
-            <a:r>
-              <a:rPr lang="en-US"/>
-              <a:t>We are not able to merge our datasets: data are from different years</a:t>
-            </a:r>
-            <a:endParaRPr lang="en-US"/>
-          </a:p>
-          <a:p>
-            <a:r>
-              <a:rPr lang="en-US"/>
-              <a:t>Real world data cleaning: missing information or wrong information</a:t>
-            </a:r>
-            <a:endParaRPr lang="en-US"/>
-          </a:p>
-          <a:p>
-            <a:endParaRPr lang="en-US"/>
-          </a:p>
-          <a:p>
-            <a:r>
-              <a:rPr lang="en-US"/>
-              <a:t>More to explore:</a:t>
-            </a:r>
-            <a:endParaRPr lang="en-US"/>
-          </a:p>
-          <a:p>
-            <a:pPr marL="0" indent="0">
-              <a:buNone/>
-            </a:pPr>
-            <a:r>
-              <a:rPr lang="en-US"/>
-              <a:t>   -  Impacts from wildfires on water resources: water quality within and downstream from a burn area may be significantly impacted.</a:t>
-            </a:r>
-            <a:endParaRPr lang="en-US"/>
-          </a:p>
-        </p:txBody>
-      </p:sp>
-    </p:spTree>
-  </p:cSld>
-  <p:clrMapOvr>
-    <a:masterClrMapping/>
-  </p:clrMapOvr>
-  <mc:AlternateContent xmlns:mc="http://schemas.openxmlformats.org/markup-compatibility/2006">
-    <mc:Choice xmlns:p14="http://schemas.microsoft.com/office/powerpoint/2010/main" Requires="p14">
-      <p:transition p14:dur="500">
-        <p:fade/>
-      </p:transition>
-    </mc:Choice>
-    <mc:Fallback>
-      <p:transition>
-        <p:fade/>
-      </p:transition>
-    </mc:Fallback>
-  </mc:AlternateContent>
-</p:sld>
-</file>
-
-<file path=ppt/slides/slide24.xml><?xml version="1.0" encoding="utf-8"?>
-<p:sld xmlns:a="http://schemas.openxmlformats.org/drawingml/2006/main" xmlns:r="http://schemas.openxmlformats.org/officeDocument/2006/relationships" xmlns:p="http://schemas.openxmlformats.org/presentationml/2006/main">
-  <p:cSld>
-    <p:spTree>
-      <p:nvGrpSpPr>
-        <p:cNvPr id="1" name=""/>
-        <p:cNvGrpSpPr/>
-        <p:nvPr/>
-      </p:nvGrpSpPr>
-      <p:grpSpPr/>
-      <p:pic>
-        <p:nvPicPr>
-          <p:cNvPr id="4" name="Picture 3" descr="3d_man_with_thank_you_text_board_stock_photo_Slide01"/>
-          <p:cNvPicPr>
-            <a:picLocks noChangeAspect="1"/>
-          </p:cNvPicPr>
-          <p:nvPr/>
-        </p:nvPicPr>
-        <p:blipFill>
-          <a:blip r:embed="rId1"/>
-          <a:stretch>
-            <a:fillRect/>
-          </a:stretch>
-        </p:blipFill>
-        <p:spPr>
-          <a:xfrm>
-            <a:off x="3848735" y="784225"/>
-            <a:ext cx="5464810" cy="5464810"/>
-          </a:xfrm>
-          <a:prstGeom prst="rect">
-            <a:avLst/>
-          </a:prstGeom>
-        </p:spPr>
-      </p:pic>
-      <p:pic>
-        <p:nvPicPr>
-          <p:cNvPr id="5" name="Content Placeholder 4" descr="352-3526570_test-your-knowledge-on-hydration-questions-and-answers"/>
-          <p:cNvPicPr>
-            <a:picLocks noChangeAspect="1"/>
-          </p:cNvPicPr>
-          <p:nvPr>
-            <p:ph idx="1"/>
-          </p:nvPr>
-        </p:nvPicPr>
-        <p:blipFill>
-          <a:blip r:embed="rId2"/>
-          <a:stretch>
-            <a:fillRect/>
-          </a:stretch>
-        </p:blipFill>
-        <p:spPr>
-          <a:xfrm>
-            <a:off x="9961245" y="4259580"/>
-            <a:ext cx="1583055" cy="2110105"/>
-          </a:xfrm>
-          <a:prstGeom prst="rect">
-            <a:avLst/>
-          </a:prstGeom>
-        </p:spPr>
-      </p:pic>
-    </p:spTree>
-  </p:cSld>
-  <p:clrMapOvr>
-    <a:masterClrMapping/>
-  </p:clrMapOvr>
-  <mc:AlternateContent xmlns:mc="http://schemas.openxmlformats.org/markup-compatibility/2006">
-    <mc:Choice xmlns:p14="http://schemas.microsoft.com/office/powerpoint/2010/main" Requires="p14">
-      <p:transition p14:dur="500">
-        <p:fade/>
-      </p:transition>
-    </mc:Choice>
-    <mc:Fallback>
-      <p:transition>
-        <p:fade/>
-      </p:transition>
-    </mc:Fallback>
-  </mc:AlternateContent>
-</p:sld>
-</file>
-
-<file path=ppt/slides/slide3.xml><?xml version="1.0" encoding="utf-8"?>
-<p:sld xmlns:a="http://schemas.openxmlformats.org/drawingml/2006/main" xmlns:r="http://schemas.openxmlformats.org/officeDocument/2006/relationships" xmlns:p="http://schemas.openxmlformats.org/presentationml/2006/main">
-  <p:cSld>
-    <p:spTree>
-      <p:nvGrpSpPr>
-        <p:cNvPr id="1" name=""/>
-        <p:cNvGrpSpPr/>
-        <p:nvPr/>
-      </p:nvGrpSpPr>
-      <p:grpSpPr>
-        <a:xfrm>
-          <a:off x="0" y="0"/>
-          <a:ext cx="0" cy="0"/>
-          <a:chOff x="0" y="0"/>
-          <a:chExt cx="0" cy="0"/>
-        </a:xfrm>
-      </p:grpSpPr>
-      <p:sp>
-        <p:nvSpPr>
-          <p:cNvPr id="2" name="Title 1"/>
-          <p:cNvSpPr>
-            <a:spLocks noGrp="1"/>
-          </p:cNvSpPr>
-          <p:nvPr>
-            <p:ph type="title"/>
-          </p:nvPr>
-        </p:nvSpPr>
-        <p:spPr>
-          <a:xfrm>
-            <a:off x="838200" y="365125"/>
-            <a:ext cx="6987988" cy="697193"/>
-          </a:xfrm>
-        </p:spPr>
-        <p:txBody>
-          <a:bodyPr/>
-          <a:lstStyle/>
-          <a:p>
-            <a:r>
-              <a:rPr lang="en-US" dirty="0"/>
-              <a:t>Weather Data Cleaning</a:t>
-            </a:r>
-            <a:endParaRPr lang="en-US" dirty="0"/>
-          </a:p>
-        </p:txBody>
-      </p:sp>
-      <p:pic>
-        <p:nvPicPr>
-          <p:cNvPr id="6" name="Content Placeholder 5" descr="Text&#10;&#10;Description automatically generated"/>
-          <p:cNvPicPr>
-            <a:picLocks noGrp="1" noChangeAspect="1"/>
-          </p:cNvPicPr>
-          <p:nvPr>
-            <p:ph sz="half" idx="1"/>
-          </p:nvPr>
-        </p:nvPicPr>
-        <p:blipFill>
-          <a:blip r:embed="rId1">
-            <a:extLst>
-              <a:ext uri="{28A0092B-C50C-407E-A947-70E740481C1C}">
-                <a14:useLocalDpi xmlns:a14="http://schemas.microsoft.com/office/drawing/2010/main" val="0"/>
-              </a:ext>
-            </a:extLst>
-          </a:blip>
-          <a:stretch>
-            <a:fillRect/>
-          </a:stretch>
-        </p:blipFill>
-        <p:spPr>
-          <a:xfrm>
-            <a:off x="663388" y="1546314"/>
-            <a:ext cx="7369139" cy="1398592"/>
-          </a:xfrm>
-        </p:spPr>
-      </p:pic>
-      <p:sp>
-        <p:nvSpPr>
-          <p:cNvPr id="4" name="Content Placeholder 3"/>
-          <p:cNvSpPr>
-            <a:spLocks noGrp="1"/>
-          </p:cNvSpPr>
-          <p:nvPr>
-            <p:ph sz="half" idx="2"/>
-          </p:nvPr>
-        </p:nvSpPr>
-        <p:spPr>
-          <a:xfrm>
-            <a:off x="349623" y="3136017"/>
-            <a:ext cx="10098742" cy="2901712"/>
-          </a:xfrm>
-        </p:spPr>
-        <p:txBody>
-          <a:bodyPr/>
-          <a:lstStyle/>
-          <a:p>
-            <a:r>
-              <a:rPr lang="en-US" dirty="0"/>
-              <a:t>Limited to California</a:t>
-            </a:r>
-            <a:endParaRPr lang="en-US" dirty="0"/>
-          </a:p>
-          <a:p>
-            <a:r>
-              <a:rPr lang="en-US" dirty="0"/>
-              <a:t>Removed fires less than 10 Acres</a:t>
-            </a:r>
-            <a:endParaRPr lang="en-US" dirty="0"/>
-          </a:p>
-          <a:p>
-            <a:r>
-              <a:rPr lang="en-US" dirty="0"/>
-              <a:t>Removed records that did not have weather files</a:t>
-            </a:r>
-            <a:endParaRPr lang="en-US" dirty="0"/>
-          </a:p>
-          <a:p>
-            <a:r>
-              <a:rPr lang="en-US" dirty="0"/>
-              <a:t>Removed records where temperature equaled exactly 0</a:t>
-            </a:r>
-            <a:endParaRPr lang="en-US" dirty="0"/>
-          </a:p>
-        </p:txBody>
-      </p:sp>
-    </p:spTree>
-  </p:cSld>
-  <p:clrMapOvr>
-    <a:masterClrMapping/>
-  </p:clrMapOvr>
-  <mc:AlternateContent xmlns:mc="http://schemas.openxmlformats.org/markup-compatibility/2006">
-    <mc:Choice xmlns:p14="http://schemas.microsoft.com/office/powerpoint/2010/main" Requires="p14">
-      <p:transition p14:dur="500">
-        <p:fade/>
-      </p:transition>
-    </mc:Choice>
-    <mc:Fallback>
-      <p:transition>
-        <p:fade/>
-      </p:transition>
-    </mc:Fallback>
-  </mc:AlternateContent>
-</p:sld>
-</file>
-
-<file path=ppt/slides/slide4.xml><?xml version="1.0" encoding="utf-8"?>
-<p:sld xmlns:a="http://schemas.openxmlformats.org/drawingml/2006/main" xmlns:r="http://schemas.openxmlformats.org/officeDocument/2006/relationships" xmlns:p="http://schemas.openxmlformats.org/presentationml/2006/main">
-  <p:cSld>
-    <p:spTree>
-      <p:nvGrpSpPr>
-        <p:cNvPr id="1" name=""/>
-        <p:cNvGrpSpPr/>
-        <p:nvPr/>
-      </p:nvGrpSpPr>
-      <p:grpSpPr>
-        <a:xfrm>
-          <a:off x="0" y="0"/>
-          <a:ext cx="0" cy="0"/>
-          <a:chOff x="0" y="0"/>
-          <a:chExt cx="0" cy="0"/>
-        </a:xfrm>
-      </p:grpSpPr>
-      <p:sp>
-        <p:nvSpPr>
-          <p:cNvPr id="2" name="Title 1"/>
-          <p:cNvSpPr>
-            <a:spLocks noGrp="1"/>
-          </p:cNvSpPr>
-          <p:nvPr>
-            <p:ph type="title"/>
-          </p:nvPr>
-        </p:nvSpPr>
-        <p:spPr>
-          <a:xfrm>
-            <a:off x="381000" y="70076"/>
-            <a:ext cx="10515600" cy="1325563"/>
-          </a:xfrm>
-        </p:spPr>
-        <p:txBody>
-          <a:bodyPr/>
-          <a:lstStyle/>
-          <a:p>
-            <a:r>
-              <a:rPr lang="en-US" dirty="0"/>
-              <a:t>Weather Data Cleaning</a:t>
-            </a:r>
-            <a:endParaRPr lang="en-US" dirty="0"/>
-          </a:p>
-        </p:txBody>
-      </p:sp>
-      <p:pic>
-        <p:nvPicPr>
-          <p:cNvPr id="5" name="Content Placeholder 4" descr="Text&#10;&#10;Description automatically generated"/>
-          <p:cNvPicPr>
-            <a:picLocks noGrp="1" noChangeAspect="1"/>
-          </p:cNvPicPr>
-          <p:nvPr>
-            <p:ph idx="1"/>
-          </p:nvPr>
-        </p:nvPicPr>
-        <p:blipFill>
-          <a:blip r:embed="rId1">
-            <a:extLst>
-              <a:ext uri="{28A0092B-C50C-407E-A947-70E740481C1C}">
-                <a14:useLocalDpi xmlns:a14="http://schemas.microsoft.com/office/drawing/2010/main" val="0"/>
-              </a:ext>
-            </a:extLst>
-          </a:blip>
-          <a:stretch>
-            <a:fillRect/>
-          </a:stretch>
-        </p:blipFill>
-        <p:spPr>
-          <a:xfrm>
-            <a:off x="345142" y="1624085"/>
-            <a:ext cx="4226858" cy="3539288"/>
-          </a:xfrm>
-        </p:spPr>
-      </p:pic>
-      <p:pic>
-        <p:nvPicPr>
-          <p:cNvPr id="7" name="Picture 6" descr="Text&#10;&#10;Description automatically generated"/>
-          <p:cNvPicPr>
-            <a:picLocks noChangeAspect="1"/>
-          </p:cNvPicPr>
-          <p:nvPr/>
-        </p:nvPicPr>
-        <p:blipFill>
-          <a:blip r:embed="rId2">
-            <a:extLst>
-              <a:ext uri="{28A0092B-C50C-407E-A947-70E740481C1C}">
-                <a14:useLocalDpi xmlns:a14="http://schemas.microsoft.com/office/drawing/2010/main" val="0"/>
-              </a:ext>
-            </a:extLst>
-          </a:blip>
-          <a:stretch>
-            <a:fillRect/>
-          </a:stretch>
-        </p:blipFill>
-        <p:spPr>
-          <a:xfrm>
-            <a:off x="6533058" y="540120"/>
-            <a:ext cx="5313800" cy="4220574"/>
-          </a:xfrm>
-          <a:prstGeom prst="rect">
-            <a:avLst/>
-          </a:prstGeom>
-        </p:spPr>
-      </p:pic>
-      <p:sp>
-        <p:nvSpPr>
-          <p:cNvPr id="8" name="TextBox 7"/>
-          <p:cNvSpPr txBox="1"/>
-          <p:nvPr/>
-        </p:nvSpPr>
-        <p:spPr>
-          <a:xfrm>
-            <a:off x="381000" y="5230738"/>
-            <a:ext cx="4953000" cy="646331"/>
-          </a:xfrm>
-          <a:prstGeom prst="rect">
-            <a:avLst/>
-          </a:prstGeom>
-          <a:noFill/>
-        </p:spPr>
-        <p:txBody>
-          <a:bodyPr wrap="square" rtlCol="0">
-            <a:spAutoFit/>
-          </a:bodyPr>
-          <a:lstStyle/>
-          <a:p>
-            <a:pPr marL="285750" indent="-285750">
-              <a:buFont typeface="Arial" panose="020B0604020202020204" pitchFamily="34" charset="0"/>
-              <a:buChar char="•"/>
-            </a:pPr>
-            <a:r>
-              <a:rPr lang="en-US" dirty="0"/>
-              <a:t>Removed columns that would not be used</a:t>
-            </a:r>
-            <a:endParaRPr lang="en-US" dirty="0"/>
-          </a:p>
-          <a:p>
-            <a:pPr marL="285750" indent="-285750">
-              <a:buFont typeface="Arial" panose="020B0604020202020204" pitchFamily="34" charset="0"/>
-              <a:buChar char="•"/>
-            </a:pPr>
-            <a:endParaRPr lang="en-US" dirty="0"/>
-          </a:p>
-        </p:txBody>
-      </p:sp>
-      <p:sp>
-        <p:nvSpPr>
-          <p:cNvPr id="9" name="TextBox 8"/>
-          <p:cNvSpPr txBox="1"/>
-          <p:nvPr/>
-        </p:nvSpPr>
-        <p:spPr>
-          <a:xfrm>
-            <a:off x="6713458" y="5230738"/>
-            <a:ext cx="4953000" cy="646331"/>
-          </a:xfrm>
-          <a:prstGeom prst="rect">
-            <a:avLst/>
-          </a:prstGeom>
-          <a:noFill/>
-        </p:spPr>
-        <p:txBody>
-          <a:bodyPr wrap="square" rtlCol="0">
-            <a:spAutoFit/>
-          </a:bodyPr>
-          <a:lstStyle/>
-          <a:p>
-            <a:pPr marL="285750" indent="-285750">
-              <a:buFont typeface="Arial" panose="020B0604020202020204" pitchFamily="34" charset="0"/>
-              <a:buChar char="•"/>
-            </a:pPr>
-            <a:r>
-              <a:rPr lang="en-US" dirty="0"/>
-              <a:t>Renamed columns so </a:t>
-            </a:r>
-            <a:r>
-              <a:rPr lang="en-US" dirty="0" err="1"/>
-              <a:t>Dataframe</a:t>
-            </a:r>
-            <a:r>
-              <a:rPr lang="en-US" dirty="0"/>
-              <a:t> would be more aesthetically pleasing</a:t>
-            </a:r>
-            <a:endParaRPr lang="en-US" dirty="0"/>
-          </a:p>
-        </p:txBody>
-      </p:sp>
-    </p:spTree>
-  </p:cSld>
-  <p:clrMapOvr>
-    <a:masterClrMapping/>
-  </p:clrMapOvr>
-  <mc:AlternateContent xmlns:mc="http://schemas.openxmlformats.org/markup-compatibility/2006">
-    <mc:Choice xmlns:p14="http://schemas.microsoft.com/office/powerpoint/2010/main" Requires="p14">
-      <p:transition p14:dur="500">
-        <p:fade/>
-      </p:transition>
-    </mc:Choice>
-    <mc:Fallback>
-      <p:transition>
-        <p:fade/>
-      </p:transition>
-    </mc:Fallback>
-  </mc:AlternateContent>
-</p:sld>
-</file>
-
-<file path=ppt/slides/slide5.xml><?xml version="1.0" encoding="utf-8"?>
-<p:sld xmlns:a="http://schemas.openxmlformats.org/drawingml/2006/main" xmlns:r="http://schemas.openxmlformats.org/officeDocument/2006/relationships" xmlns:p="http://schemas.openxmlformats.org/presentationml/2006/main">
-  <p:cSld>
-    <p:spTree>
-      <p:nvGrpSpPr>
-        <p:cNvPr id="1" name=""/>
-        <p:cNvGrpSpPr/>
-        <p:nvPr/>
-      </p:nvGrpSpPr>
-      <p:grpSpPr>
-        <a:xfrm>
-          <a:off x="0" y="0"/>
-          <a:ext cx="0" cy="0"/>
-          <a:chOff x="0" y="0"/>
-          <a:chExt cx="0" cy="0"/>
-        </a:xfrm>
-      </p:grpSpPr>
-      <p:sp>
-        <p:nvSpPr>
-          <p:cNvPr id="2" name="Title 1"/>
-          <p:cNvSpPr>
-            <a:spLocks noGrp="1"/>
-          </p:cNvSpPr>
-          <p:nvPr>
-            <p:ph type="title"/>
-          </p:nvPr>
-        </p:nvSpPr>
-        <p:spPr/>
-        <p:txBody>
-          <a:bodyPr/>
-          <a:lstStyle/>
-          <a:p>
-            <a:r>
-              <a:rPr lang="en-US" dirty="0"/>
-              <a:t>Weather Data Cleaning</a:t>
-            </a:r>
-            <a:endParaRPr lang="en-US" dirty="0"/>
-          </a:p>
-        </p:txBody>
-      </p:sp>
-      <p:pic>
-        <p:nvPicPr>
-          <p:cNvPr id="5" name="Content Placeholder 4" descr="Graphical user interface, text, application&#10;&#10;Description automatically generated"/>
-          <p:cNvPicPr>
-            <a:picLocks noGrp="1" noChangeAspect="1"/>
-          </p:cNvPicPr>
-          <p:nvPr>
-            <p:ph idx="1"/>
-          </p:nvPr>
-        </p:nvPicPr>
-        <p:blipFill>
-          <a:blip r:embed="rId1">
-            <a:extLst>
-              <a:ext uri="{28A0092B-C50C-407E-A947-70E740481C1C}">
-                <a14:useLocalDpi xmlns:a14="http://schemas.microsoft.com/office/drawing/2010/main" val="0"/>
-              </a:ext>
-            </a:extLst>
-          </a:blip>
-          <a:stretch>
-            <a:fillRect/>
-          </a:stretch>
-        </p:blipFill>
-        <p:spPr>
-          <a:xfrm>
-            <a:off x="697030" y="1690688"/>
-            <a:ext cx="7678222" cy="1562318"/>
-          </a:xfrm>
-        </p:spPr>
-      </p:pic>
-      <p:sp>
-        <p:nvSpPr>
-          <p:cNvPr id="8" name="TextBox 7"/>
-          <p:cNvSpPr txBox="1"/>
-          <p:nvPr/>
-        </p:nvSpPr>
-        <p:spPr>
-          <a:xfrm>
-            <a:off x="697030" y="3845859"/>
-            <a:ext cx="7774617" cy="923330"/>
-          </a:xfrm>
-          <a:prstGeom prst="rect">
-            <a:avLst/>
-          </a:prstGeom>
-          <a:noFill/>
-        </p:spPr>
-        <p:txBody>
-          <a:bodyPr wrap="square" rtlCol="0">
-            <a:spAutoFit/>
-          </a:bodyPr>
-          <a:lstStyle/>
-          <a:p>
-            <a:pPr marL="285750" indent="-285750">
-              <a:buFont typeface="Arial" panose="020B0604020202020204" pitchFamily="34" charset="0"/>
-              <a:buChar char="•"/>
-            </a:pPr>
-            <a:r>
-              <a:rPr lang="en-US" dirty="0"/>
-              <a:t>Converted to Fahrenheit</a:t>
-            </a:r>
-            <a:endParaRPr lang="en-US" dirty="0"/>
-          </a:p>
-          <a:p>
-            <a:pPr marL="285750" indent="-285750">
-              <a:buFont typeface="Arial" panose="020B0604020202020204" pitchFamily="34" charset="0"/>
-              <a:buChar char="•"/>
-            </a:pPr>
-            <a:r>
-              <a:rPr lang="en-US" dirty="0"/>
-              <a:t>Fire Duration column needed strings removed and to be turned into float for later calculations</a:t>
-            </a:r>
-            <a:endParaRPr lang="en-US" dirty="0"/>
-          </a:p>
-        </p:txBody>
-      </p:sp>
-    </p:spTree>
-  </p:cSld>
-  <p:clrMapOvr>
-    <a:masterClrMapping/>
-  </p:clrMapOvr>
-  <mc:AlternateContent xmlns:mc="http://schemas.openxmlformats.org/markup-compatibility/2006">
-    <mc:Choice xmlns:p14="http://schemas.microsoft.com/office/powerpoint/2010/main" Requires="p14">
-      <p:transition p14:dur="500">
-        <p:fade/>
-      </p:transition>
-    </mc:Choice>
-    <mc:Fallback>
-      <p:transition>
-        <p:fade/>
-      </p:transition>
-    </mc:Fallback>
-  </mc:AlternateContent>
-</p:sld>
-</file>
-
-<file path=ppt/slides/slide6.xml><?xml version="1.0" encoding="utf-8"?>
-<p:sld xmlns:a="http://schemas.openxmlformats.org/drawingml/2006/main" xmlns:r="http://schemas.openxmlformats.org/officeDocument/2006/relationships" xmlns:p="http://schemas.openxmlformats.org/presentationml/2006/main">
-  <p:cSld>
-    <p:spTree>
-      <p:nvGrpSpPr>
-        <p:cNvPr id="1" name=""/>
-        <p:cNvGrpSpPr/>
-        <p:nvPr/>
-      </p:nvGrpSpPr>
-      <p:grpSpPr>
-        <a:xfrm>
-          <a:off x="0" y="0"/>
-          <a:ext cx="0" cy="0"/>
-          <a:chOff x="0" y="0"/>
-          <a:chExt cx="0" cy="0"/>
-        </a:xfrm>
-      </p:grpSpPr>
-      <p:sp>
-        <p:nvSpPr>
-          <p:cNvPr id="2" name="Title 1"/>
-          <p:cNvSpPr>
-            <a:spLocks noGrp="1"/>
-          </p:cNvSpPr>
-          <p:nvPr>
-            <p:ph type="title"/>
-          </p:nvPr>
-        </p:nvSpPr>
-        <p:spPr/>
-        <p:txBody>
-          <a:bodyPr/>
-          <a:lstStyle/>
-          <a:p>
-            <a:r>
-              <a:rPr lang="en-US" dirty="0"/>
-              <a:t>Weather Data Cleaning</a:t>
-            </a:r>
-            <a:endParaRPr lang="en-US" dirty="0"/>
-          </a:p>
-        </p:txBody>
-      </p:sp>
-      <p:pic>
-        <p:nvPicPr>
-          <p:cNvPr id="5" name="Content Placeholder 4" descr="Text&#10;&#10;Description automatically generated"/>
-          <p:cNvPicPr>
-            <a:picLocks noGrp="1" noChangeAspect="1"/>
-          </p:cNvPicPr>
-          <p:nvPr>
-            <p:ph idx="1"/>
-          </p:nvPr>
-        </p:nvPicPr>
-        <p:blipFill>
-          <a:blip r:embed="rId1">
-            <a:extLst>
-              <a:ext uri="{28A0092B-C50C-407E-A947-70E740481C1C}">
-                <a14:useLocalDpi xmlns:a14="http://schemas.microsoft.com/office/drawing/2010/main" val="0"/>
-              </a:ext>
-            </a:extLst>
-          </a:blip>
-          <a:stretch>
-            <a:fillRect/>
-          </a:stretch>
-        </p:blipFill>
-        <p:spPr>
-          <a:xfrm>
-            <a:off x="685038" y="1690688"/>
-            <a:ext cx="7164323" cy="4351338"/>
-          </a:xfrm>
-        </p:spPr>
-      </p:pic>
-      <p:sp>
-        <p:nvSpPr>
-          <p:cNvPr id="6" name="TextBox 5"/>
-          <p:cNvSpPr txBox="1"/>
-          <p:nvPr/>
-        </p:nvSpPr>
-        <p:spPr>
-          <a:xfrm>
-            <a:off x="8002523" y="1690688"/>
-            <a:ext cx="3911571" cy="2031325"/>
-          </a:xfrm>
-          <a:prstGeom prst="rect">
-            <a:avLst/>
-          </a:prstGeom>
-          <a:noFill/>
-        </p:spPr>
-        <p:txBody>
-          <a:bodyPr wrap="square" rtlCol="0">
-            <a:spAutoFit/>
-          </a:bodyPr>
-          <a:lstStyle/>
-          <a:p>
-            <a:pPr marL="285750" indent="-285750">
-              <a:buFont typeface="Arial" panose="020B0604020202020204" pitchFamily="34" charset="0"/>
-              <a:buChar char="•"/>
-            </a:pPr>
-            <a:r>
-              <a:rPr lang="en-US" dirty="0"/>
-              <a:t>Grouped data by the size of the fire</a:t>
-            </a:r>
-            <a:endParaRPr lang="en-US" dirty="0"/>
-          </a:p>
-          <a:p>
-            <a:pPr marL="285750" indent="-285750">
-              <a:buFont typeface="Arial" panose="020B0604020202020204" pitchFamily="34" charset="0"/>
-              <a:buChar char="•"/>
-            </a:pPr>
-            <a:r>
-              <a:rPr lang="en-US" dirty="0"/>
-              <a:t>Created separate </a:t>
-            </a:r>
-            <a:r>
-              <a:rPr lang="en-US" dirty="0" err="1"/>
-              <a:t>dataframes</a:t>
-            </a:r>
-            <a:r>
-              <a:rPr lang="en-US" dirty="0"/>
-              <a:t> for wind, temperature, humidity, and precipitation</a:t>
-            </a:r>
-            <a:endParaRPr lang="en-US" dirty="0"/>
-          </a:p>
-          <a:p>
-            <a:pPr marL="285750" indent="-285750">
-              <a:buFont typeface="Arial" panose="020B0604020202020204" pitchFamily="34" charset="0"/>
-              <a:buChar char="•"/>
-            </a:pPr>
-            <a:r>
-              <a:rPr lang="en-US" dirty="0"/>
-              <a:t>Took averages for time periods prior to fires’ containment</a:t>
-            </a:r>
-            <a:endParaRPr lang="en-US" dirty="0"/>
-          </a:p>
-          <a:p>
-            <a:endParaRPr lang="en-US" dirty="0"/>
-          </a:p>
-        </p:txBody>
-      </p:sp>
-    </p:spTree>
-  </p:cSld>
-  <p:clrMapOvr>
-    <a:masterClrMapping/>
-  </p:clrMapOvr>
-  <mc:AlternateContent xmlns:mc="http://schemas.openxmlformats.org/markup-compatibility/2006">
-    <mc:Choice xmlns:p14="http://schemas.microsoft.com/office/powerpoint/2010/main" Requires="p14">
-      <p:transition p14:dur="500">
-        <p:fade/>
-      </p:transition>
-    </mc:Choice>
-    <mc:Fallback>
-      <p:transition>
-        <p:fade/>
-      </p:transition>
-    </mc:Fallback>
-  </mc:AlternateContent>
-</p:sld>
-</file>
-
-<file path=ppt/slides/slide7.xml><?xml version="1.0" encoding="utf-8"?>
-<p:sld xmlns:a="http://schemas.openxmlformats.org/drawingml/2006/main" xmlns:r="http://schemas.openxmlformats.org/officeDocument/2006/relationships" xmlns:p="http://schemas.openxmlformats.org/presentationml/2006/main">
-  <p:cSld>
-    <p:spTree>
-      <p:nvGrpSpPr>
-        <p:cNvPr id="1" name=""/>
-        <p:cNvGrpSpPr/>
-        <p:nvPr/>
-      </p:nvGrpSpPr>
-      <p:grpSpPr>
-        <a:xfrm>
-          <a:off x="0" y="0"/>
-          <a:ext cx="0" cy="0"/>
-          <a:chOff x="0" y="0"/>
-          <a:chExt cx="0" cy="0"/>
-        </a:xfrm>
-      </p:grpSpPr>
-      <p:sp>
-        <p:nvSpPr>
-          <p:cNvPr id="2" name="Title 1"/>
-          <p:cNvSpPr>
-            <a:spLocks noGrp="1"/>
-          </p:cNvSpPr>
-          <p:nvPr>
-            <p:ph type="title"/>
-          </p:nvPr>
-        </p:nvSpPr>
-        <p:spPr>
-          <a:xfrm>
-            <a:off x="614082" y="0"/>
-            <a:ext cx="10515600" cy="1325563"/>
-          </a:xfrm>
-        </p:spPr>
-        <p:txBody>
-          <a:bodyPr/>
-          <a:lstStyle/>
-          <a:p>
-            <a:pPr algn="ctr"/>
-            <a:r>
-              <a:rPr lang="en-US" dirty="0"/>
-              <a:t>Wind</a:t>
-            </a:r>
-            <a:endParaRPr lang="en-US" dirty="0"/>
-          </a:p>
-        </p:txBody>
-      </p:sp>
-      <p:pic>
-        <p:nvPicPr>
-          <p:cNvPr id="5" name="Content Placeholder 4" descr="Chart, scatter chart&#10;&#10;Description automatically generated"/>
-          <p:cNvPicPr>
-            <a:picLocks noGrp="1" noChangeAspect="1"/>
-          </p:cNvPicPr>
-          <p:nvPr>
-            <p:ph idx="1"/>
-          </p:nvPr>
-        </p:nvPicPr>
-        <p:blipFill>
-          <a:blip r:embed="rId1">
-            <a:extLst>
-              <a:ext uri="{28A0092B-C50C-407E-A947-70E740481C1C}">
-                <a14:useLocalDpi xmlns:a14="http://schemas.microsoft.com/office/drawing/2010/main" val="0"/>
-              </a:ext>
-            </a:extLst>
-          </a:blip>
-          <a:stretch>
-            <a:fillRect/>
-          </a:stretch>
-        </p:blipFill>
-        <p:spPr>
-          <a:xfrm>
-            <a:off x="178747" y="1246934"/>
-            <a:ext cx="5294206" cy="3591083"/>
-          </a:xfrm>
-        </p:spPr>
-      </p:pic>
-      <p:pic>
-        <p:nvPicPr>
-          <p:cNvPr id="7" name="Picture 6" descr="Chart, scatter chart&#10;&#10;Description automatically generated"/>
-          <p:cNvPicPr>
-            <a:picLocks noChangeAspect="1"/>
-          </p:cNvPicPr>
-          <p:nvPr/>
-        </p:nvPicPr>
-        <p:blipFill>
-          <a:blip r:embed="rId2">
-            <a:extLst>
-              <a:ext uri="{28A0092B-C50C-407E-A947-70E740481C1C}">
-                <a14:useLocalDpi xmlns:a14="http://schemas.microsoft.com/office/drawing/2010/main" val="0"/>
-              </a:ext>
-            </a:extLst>
-          </a:blip>
-          <a:stretch>
-            <a:fillRect/>
-          </a:stretch>
-        </p:blipFill>
-        <p:spPr>
-          <a:xfrm>
-            <a:off x="5871882" y="1152130"/>
-            <a:ext cx="5481918" cy="3685887"/>
-          </a:xfrm>
-          <a:prstGeom prst="rect">
-            <a:avLst/>
-          </a:prstGeom>
-        </p:spPr>
-      </p:pic>
-      <p:sp>
-        <p:nvSpPr>
-          <p:cNvPr id="10" name="TextBox 9"/>
-          <p:cNvSpPr txBox="1"/>
-          <p:nvPr/>
-        </p:nvSpPr>
-        <p:spPr>
-          <a:xfrm>
-            <a:off x="860612" y="5405718"/>
-            <a:ext cx="11298927" cy="923330"/>
-          </a:xfrm>
-          <a:prstGeom prst="rect">
-            <a:avLst/>
-          </a:prstGeom>
-          <a:noFill/>
-        </p:spPr>
-        <p:txBody>
-          <a:bodyPr wrap="none" rtlCol="0">
-            <a:spAutoFit/>
-          </a:bodyPr>
-          <a:lstStyle/>
-          <a:p>
-            <a:pPr marL="285750" indent="-285750">
-              <a:buFont typeface="Arial" panose="020B0604020202020204" pitchFamily="34" charset="0"/>
-              <a:buChar char="•"/>
-            </a:pPr>
-            <a:r>
-              <a:rPr lang="en-US" dirty="0"/>
-              <a:t>Mostly grouped in 1 to 5 m/s</a:t>
-            </a:r>
-            <a:endParaRPr lang="en-US" dirty="0"/>
-          </a:p>
-          <a:p>
-            <a:pPr marL="285750" indent="-285750">
-              <a:buFont typeface="Arial" panose="020B0604020202020204" pitchFamily="34" charset="0"/>
-              <a:buChar char="•"/>
-            </a:pPr>
-            <a:r>
-              <a:rPr lang="en-US" dirty="0"/>
-              <a:t>Duration drops significantly above 5 m/s</a:t>
-            </a:r>
-            <a:endParaRPr lang="en-US" dirty="0"/>
-          </a:p>
-          <a:p>
-            <a:pPr marL="285750" indent="-285750">
-              <a:buFont typeface="Arial" panose="020B0604020202020204" pitchFamily="34" charset="0"/>
-              <a:buChar char="•"/>
-            </a:pPr>
-            <a:r>
-              <a:rPr lang="en-US" dirty="0"/>
-              <a:t> Lots of datapoints at 0 m/s, however none in between until almost 1 m/s. Could be error in measurements or data.</a:t>
-            </a:r>
-            <a:endParaRPr lang="en-US" dirty="0"/>
-          </a:p>
-        </p:txBody>
-      </p:sp>
-    </p:spTree>
-  </p:cSld>
-  <p:clrMapOvr>
-    <a:masterClrMapping/>
-  </p:clrMapOvr>
-  <mc:AlternateContent xmlns:mc="http://schemas.openxmlformats.org/markup-compatibility/2006">
-    <mc:Choice xmlns:p14="http://schemas.microsoft.com/office/powerpoint/2010/main" Requires="p14">
-      <p:transition p14:dur="500">
-        <p:fade/>
-      </p:transition>
-    </mc:Choice>
-    <mc:Fallback>
-      <p:transition>
-        <p:fade/>
-      </p:transition>
-    </mc:Fallback>
-  </mc:AlternateContent>
-</p:sld>
-</file>
-
-<file path=ppt/slides/slide8.xml><?xml version="1.0" encoding="utf-8"?>
-<p:sld xmlns:a="http://schemas.openxmlformats.org/drawingml/2006/main" xmlns:r="http://schemas.openxmlformats.org/officeDocument/2006/relationships" xmlns:p="http://schemas.openxmlformats.org/presentationml/2006/main">
-  <p:cSld>
-    <p:spTree>
-      <p:nvGrpSpPr>
-        <p:cNvPr id="1" name=""/>
-        <p:cNvGrpSpPr/>
-        <p:nvPr/>
-      </p:nvGrpSpPr>
-      <p:grpSpPr/>
-      <p:sp>
-        <p:nvSpPr>
-          <p:cNvPr id="2" name="Title 1"/>
-          <p:cNvSpPr>
-            <a:spLocks noGrp="1"/>
-          </p:cNvSpPr>
-          <p:nvPr>
-            <p:ph type="title"/>
-          </p:nvPr>
-        </p:nvSpPr>
-        <p:spPr/>
-        <p:txBody>
-          <a:bodyPr/>
-          <a:p>
-            <a:pPr algn="l"/>
-            <a:r>
-              <a:rPr lang="en-US"/>
-              <a:t>Wind</a:t>
-            </a:r>
-            <a:endParaRPr lang="en-US"/>
-          </a:p>
-        </p:txBody>
-      </p:sp>
-      <p:pic>
-        <p:nvPicPr>
-          <p:cNvPr id="6" name="Picture 5" descr="w30"/>
-          <p:cNvPicPr>
-            <a:picLocks noChangeAspect="1"/>
-          </p:cNvPicPr>
-          <p:nvPr/>
-        </p:nvPicPr>
-        <p:blipFill>
-          <a:blip r:embed="rId1"/>
-          <a:stretch>
-            <a:fillRect/>
-          </a:stretch>
-        </p:blipFill>
-        <p:spPr>
-          <a:xfrm>
-            <a:off x="2403475" y="446405"/>
-            <a:ext cx="4321810" cy="3088640"/>
-          </a:xfrm>
-          <a:prstGeom prst="rect">
-            <a:avLst/>
-          </a:prstGeom>
-        </p:spPr>
-      </p:pic>
-      <p:pic>
-        <p:nvPicPr>
-          <p:cNvPr id="7" name="Picture 6" descr="w15"/>
-          <p:cNvPicPr>
-            <a:picLocks noChangeAspect="1"/>
-          </p:cNvPicPr>
-          <p:nvPr/>
-        </p:nvPicPr>
-        <p:blipFill>
-          <a:blip r:embed="rId2"/>
-          <a:stretch>
-            <a:fillRect/>
-          </a:stretch>
-        </p:blipFill>
-        <p:spPr>
-          <a:xfrm>
-            <a:off x="2383790" y="3634105"/>
-            <a:ext cx="4341495" cy="3102610"/>
-          </a:xfrm>
-          <a:prstGeom prst="rect">
-            <a:avLst/>
-          </a:prstGeom>
-        </p:spPr>
-      </p:pic>
-      <p:pic>
-        <p:nvPicPr>
-          <p:cNvPr id="8" name="Picture 7" descr="w7"/>
-          <p:cNvPicPr>
-            <a:picLocks noChangeAspect="1"/>
-          </p:cNvPicPr>
-          <p:nvPr/>
-        </p:nvPicPr>
-        <p:blipFill>
-          <a:blip r:embed="rId3"/>
-          <a:stretch>
-            <a:fillRect/>
-          </a:stretch>
-        </p:blipFill>
-        <p:spPr>
-          <a:xfrm>
-            <a:off x="6947535" y="447040"/>
-            <a:ext cx="4319905" cy="3088005"/>
-          </a:xfrm>
-          <a:prstGeom prst="rect">
-            <a:avLst/>
-          </a:prstGeom>
-        </p:spPr>
-      </p:pic>
-      <p:pic>
-        <p:nvPicPr>
-          <p:cNvPr id="9" name="Picture 8" descr="wc"/>
-          <p:cNvPicPr>
-            <a:picLocks noChangeAspect="1"/>
-          </p:cNvPicPr>
-          <p:nvPr/>
-        </p:nvPicPr>
-        <p:blipFill>
-          <a:blip r:embed="rId4"/>
-          <a:stretch>
-            <a:fillRect/>
-          </a:stretch>
-        </p:blipFill>
-        <p:spPr>
-          <a:xfrm>
-            <a:off x="6887845" y="3634105"/>
-            <a:ext cx="4353560" cy="3103245"/>
-          </a:xfrm>
-          <a:prstGeom prst="rect">
-            <a:avLst/>
-          </a:prstGeom>
-        </p:spPr>
-      </p:pic>
-    </p:spTree>
-  </p:cSld>
-  <p:clrMapOvr>
-    <a:masterClrMapping/>
-  </p:clrMapOvr>
-  <mc:AlternateContent xmlns:mc="http://schemas.openxmlformats.org/markup-compatibility/2006">
-    <mc:Choice xmlns:p14="http://schemas.microsoft.com/office/powerpoint/2010/main" Requires="p14">
-      <p:transition p14:dur="500">
-        <p:fade/>
-      </p:transition>
-    </mc:Choice>
-    <mc:Fallback>
-      <p:transition>
-        <p:fade/>
-      </p:transition>
-    </mc:Fallback>
-  </mc:AlternateContent>
-</p:sld>
-</file>
-
-<file path=ppt/slides/slide9.xml><?xml version="1.0" encoding="utf-8"?>
-<p:sld xmlns:a="http://schemas.openxmlformats.org/drawingml/2006/main" xmlns:r="http://schemas.openxmlformats.org/officeDocument/2006/relationships" xmlns:p="http://schemas.openxmlformats.org/presentationml/2006/main">
-  <p:cSld>
-    <p:spTree>
-      <p:nvGrpSpPr>
-        <p:cNvPr id="1" name=""/>
-        <p:cNvGrpSpPr/>
-        <p:nvPr/>
-      </p:nvGrpSpPr>
-      <p:grpSpPr>
-        <a:xfrm>
-          <a:off x="0" y="0"/>
-          <a:ext cx="0" cy="0"/>
-          <a:chOff x="0" y="0"/>
-          <a:chExt cx="0" cy="0"/>
-        </a:xfrm>
-      </p:grpSpPr>
-      <p:sp>
-        <p:nvSpPr>
-          <p:cNvPr id="2" name="Title 1"/>
-          <p:cNvSpPr>
-            <a:spLocks noGrp="1"/>
-          </p:cNvSpPr>
-          <p:nvPr>
-            <p:ph type="title"/>
-          </p:nvPr>
-        </p:nvSpPr>
-        <p:spPr>
-          <a:xfrm>
-            <a:off x="744071" y="-168685"/>
-            <a:ext cx="10515600" cy="1325563"/>
-          </a:xfrm>
-        </p:spPr>
-        <p:txBody>
-          <a:bodyPr/>
-          <a:lstStyle/>
-          <a:p>
-            <a:pPr algn="ctr"/>
-            <a:r>
-              <a:rPr lang="en-US" dirty="0"/>
-              <a:t>Wind</a:t>
-            </a:r>
-            <a:endParaRPr lang="en-US" dirty="0"/>
-          </a:p>
-        </p:txBody>
-      </p:sp>
-      <p:pic>
-        <p:nvPicPr>
-          <p:cNvPr id="5" name="Content Placeholder 4" descr="Chart, bar chart&#10;&#10;Description automatically generated"/>
-          <p:cNvPicPr>
-            <a:picLocks noGrp="1" noChangeAspect="1"/>
-          </p:cNvPicPr>
-          <p:nvPr>
-            <p:ph idx="1"/>
-          </p:nvPr>
-        </p:nvPicPr>
-        <p:blipFill>
-          <a:blip r:embed="rId1">
-            <a:extLst>
-              <a:ext uri="{28A0092B-C50C-407E-A947-70E740481C1C}">
-                <a14:useLocalDpi xmlns:a14="http://schemas.microsoft.com/office/drawing/2010/main" val="0"/>
-              </a:ext>
-            </a:extLst>
-          </a:blip>
-          <a:stretch>
-            <a:fillRect/>
-          </a:stretch>
-        </p:blipFill>
-        <p:spPr>
-          <a:xfrm>
-            <a:off x="2771730" y="883069"/>
-            <a:ext cx="7515270" cy="4333959"/>
-          </a:xfrm>
-        </p:spPr>
-      </p:pic>
-      <p:sp>
-        <p:nvSpPr>
-          <p:cNvPr id="6" name="TextBox 5"/>
-          <p:cNvSpPr txBox="1"/>
-          <p:nvPr/>
-        </p:nvSpPr>
-        <p:spPr>
-          <a:xfrm>
-            <a:off x="932329" y="5688106"/>
-            <a:ext cx="9505936" cy="369332"/>
-          </a:xfrm>
-          <a:prstGeom prst="rect">
-            <a:avLst/>
-          </a:prstGeom>
-          <a:noFill/>
-        </p:spPr>
-        <p:txBody>
-          <a:bodyPr wrap="none" rtlCol="0">
-            <a:spAutoFit/>
-          </a:bodyPr>
-          <a:lstStyle/>
-          <a:p>
-            <a:r>
-              <a:rPr lang="en-US" dirty="0"/>
-              <a:t>There appears to be a consistent pattern of wind speed averages dropping until date of containment</a:t>
-            </a:r>
-            <a:endParaRPr lang="en-US" dirty="0"/>
           </a:p>
         </p:txBody>
       </p:sp>
